--- a/240917 - BASTA 2024 @Mainz/K8s Automation with Azure DevOps.pptx
+++ b/240917 - BASTA 2024 @Mainz/K8s Automation with Azure DevOps.pptx
@@ -5,7 +5,7 @@
     <p:sldMasterId id="2147483648" r:id="rId1"/>
   </p:sldMasterIdLst>
   <p:notesMasterIdLst>
-    <p:notesMasterId r:id="rId17"/>
+    <p:notesMasterId r:id="rId19"/>
   </p:notesMasterIdLst>
   <p:sldIdLst>
     <p:sldId id="275" r:id="rId2"/>
@@ -15,14 +15,16 @@
     <p:sldId id="259" r:id="rId6"/>
     <p:sldId id="261" r:id="rId7"/>
     <p:sldId id="264" r:id="rId8"/>
-    <p:sldId id="262" r:id="rId9"/>
-    <p:sldId id="272" r:id="rId10"/>
-    <p:sldId id="266" r:id="rId11"/>
-    <p:sldId id="267" r:id="rId12"/>
-    <p:sldId id="258" r:id="rId13"/>
-    <p:sldId id="268" r:id="rId14"/>
-    <p:sldId id="270" r:id="rId15"/>
-    <p:sldId id="276" r:id="rId16"/>
+    <p:sldId id="277" r:id="rId9"/>
+    <p:sldId id="278" r:id="rId10"/>
+    <p:sldId id="262" r:id="rId11"/>
+    <p:sldId id="272" r:id="rId12"/>
+    <p:sldId id="266" r:id="rId13"/>
+    <p:sldId id="267" r:id="rId14"/>
+    <p:sldId id="258" r:id="rId15"/>
+    <p:sldId id="268" r:id="rId16"/>
+    <p:sldId id="270" r:id="rId17"/>
+    <p:sldId id="276" r:id="rId18"/>
   </p:sldIdLst>
   <p:sldSz cx="12192000" cy="6858000"/>
   <p:notesSz cx="6858000" cy="9144000"/>
@@ -129,6 +131,151 @@
 </p:presentation>
 </file>
 
+<file path=ppt/ink/ink1.xml><?xml version="1.0" encoding="utf-8"?>
+<inkml:ink xmlns:inkml="http://www.w3.org/2003/InkML">
+  <inkml:definitions>
+    <inkml:context xml:id="ctx0">
+      <inkml:inkSource xml:id="inkSrc0">
+        <inkml:traceFormat>
+          <inkml:channel name="X" type="integer" min="-2.14748E9" max="2.14748E9" units="cm"/>
+          <inkml:channel name="Y" type="integer" min="-2.14748E9" max="2.14748E9" units="cm"/>
+        </inkml:traceFormat>
+        <inkml:channelProperties>
+          <inkml:channelProperty channel="X" name="resolution" value="1000" units="1/cm"/>
+          <inkml:channelProperty channel="Y" name="resolution" value="1000" units="1/cm"/>
+        </inkml:channelProperties>
+      </inkml:inkSource>
+      <inkml:timestamp xml:id="ts0" timeString="2024-09-17T20:57:30.392"/>
+    </inkml:context>
+    <inkml:brush xml:id="br0">
+      <inkml:brushProperty name="width" value="0.3" units="cm"/>
+      <inkml:brushProperty name="height" value="0.6" units="cm"/>
+      <inkml:brushProperty name="color" value="#FFFC00"/>
+      <inkml:brushProperty name="tip" value="rectangle"/>
+      <inkml:brushProperty name="rasterOp" value="maskPen"/>
+      <inkml:brushProperty name="ignorePressure" value="1"/>
+    </inkml:brush>
+  </inkml:definitions>
+  <inkml:trace contextRef="#ctx0" brushRef="#br0">2203 577,'31'-6,"52"-5,-35 6,595-40,16 34,-490 10,460-2,130 1,80 2,5169 3,-5669-4,-336 1,407-16,-399 15,7 0,0-1,0 0,0-2,0 0,0-1,23-10,-39 14,0 0,0 0,0 0,0-1,0 1,-1-1,1 0,0 1,-1-1,1 0,-1 0,0 0,1 0,-1 0,0 0,0-1,-1 1,1 0,0 0,-1-1,1 1,-1 0,0-1,0-3,0-4,-1 1,-1-1,1 1,-6-16,2 10,4 10,0 0,0 0,0 0,-1 0,0 0,0 1,-1-1,1 1,-1-1,0 1,0 0,0 0,0 0,-1 1,0-1,0 1,0 0,0 0,0 0,0 0,-1 1,0 0,1 0,-1 0,0 1,0-1,-7 0,-40-8,1 3,-94-1,134 8,-853-4,546 6,-185 0,-114-1,-4733 2,3414-4,1249-9,2-39,16-36,564 64,89 13,16 8,0-1,0 1,0 0,1-1,-1 1,0 0,0-1,0 1,0 0,1-1,-1 1,0 0,0 0,1-1,-1 1,0 0,0 0,1 0,-1-1,0 1,1 0,-1 0,0 0,1 0,-1 0,0-1,1 1,-1 0,0 0,1 0,-1 0,1 0,0 0,23-4,46-1,117 0,1562 4,-887 5,-306-6,660 9,-159 65,-14 54,-1030-125,1251 175,26 3,-960-140,62-1,-390-38,48 5,-83-4,-2792-16,2059 16,-1047 91,1353-58,-463-26,-451-124,1166 88,-748-84,130 67,446 4,-4 1,342 38,29 0,15 0,34-3,234-3,-232 7,244-2,78 2,69 0,60 0,8251 2,-8709-1</inkml:trace>
+</inkml:ink>
+</file>
+
+<file path=ppt/ink/ink2.xml><?xml version="1.0" encoding="utf-8"?>
+<inkml:ink xmlns:inkml="http://www.w3.org/2003/InkML">
+  <inkml:definitions>
+    <inkml:context xml:id="ctx0">
+      <inkml:inkSource xml:id="inkSrc0">
+        <inkml:traceFormat>
+          <inkml:channel name="X" type="integer" min="-2.14748E9" max="2.14748E9" units="cm"/>
+          <inkml:channel name="Y" type="integer" min="-2.14748E9" max="2.14748E9" units="cm"/>
+        </inkml:traceFormat>
+        <inkml:channelProperties>
+          <inkml:channelProperty channel="X" name="resolution" value="1000" units="1/cm"/>
+          <inkml:channelProperty channel="Y" name="resolution" value="1000" units="1/cm"/>
+        </inkml:channelProperties>
+      </inkml:inkSource>
+      <inkml:timestamp xml:id="ts0" timeString="2024-09-17T20:57:37.174"/>
+    </inkml:context>
+    <inkml:brush xml:id="br0">
+      <inkml:brushProperty name="width" value="0.3" units="cm"/>
+      <inkml:brushProperty name="height" value="0.6" units="cm"/>
+      <inkml:brushProperty name="color" value="#FFFC00"/>
+      <inkml:brushProperty name="tip" value="rectangle"/>
+      <inkml:brushProperty name="rasterOp" value="maskPen"/>
+      <inkml:brushProperty name="ignorePressure" value="1"/>
+    </inkml:brush>
+  </inkml:definitions>
+  <inkml:trace contextRef="#ctx0" brushRef="#br0">915 575,'93'-1,"391"16,743 76,590-83,-1012-12,-506 4,939 11,90 3,-468-10,-695 5,181 34,27 4,788 70,-1147-115,701 84,-837-88,43 3,-1903-4,-24 0,956-23,7-52,649 32,65 8,-190-12,2 39,401 15,-247 18,-108 60,264-43,-518 121,618-133,-1-6,-1-4,-188 5,-440-30,679 8,-100-15,130 10,-1-1,2-2,-1-1,1 0,-38-21,39 17,5 2,0-1,-34-25,54 36,0 1,0-1,0 1,0-1,0 0,0 0,0 0,0 0,0 1,1-1,-1 0,0 0,1 0,-1-1,0 1,1 0,0 0,-1 0,1 0,0 0,-1-1,1 1,0 0,0 0,0 0,0-1,0 1,0 0,0 0,1 0,-1-1,0 1,1 0,-1 0,1 0,-1 0,2-2,2-1,-1 1,1 0,0 0,0 0,0 0,0 0,0 1,1 0,5-2,17-7,0 2,1 1,54-8,96 0,-147 14,901-15,-732 18,1279 4,1693-5,-2325-42,467-83,-1197 117,834-38,927 48,-1861-3,-17 1,0 0,0 0,0 0,0 0,0 0,0 0,0 0,0 0,0 0,0 0,0 0,0 0,0 0,0 0,0 0,0 0,0 0,0 0,0-1,0 1,0 0,0 0,0 0,0 0,0 0,0 0,0 0,0 0,0 0,0 0,0 0,0 0,0 0,0 0,0 0,0 0,0 0,0 0,0 0,-31-6,13 3,-344-54,98 18,-1783-241,1991 273,-1612-139,322 87,-672 29,1866 38,-273 49,140-12,-810 104,990-134,-494 95,334-45,228-55</inkml:trace>
+</inkml:ink>
+</file>
+
+<file path=ppt/ink/ink3.xml><?xml version="1.0" encoding="utf-8"?>
+<inkml:ink xmlns:inkml="http://www.w3.org/2003/InkML">
+  <inkml:definitions>
+    <inkml:context xml:id="ctx0">
+      <inkml:inkSource xml:id="inkSrc0">
+        <inkml:traceFormat>
+          <inkml:channel name="X" type="integer" min="-2.14748E9" max="2.14748E9" units="cm"/>
+          <inkml:channel name="Y" type="integer" min="-2.14748E9" max="2.14748E9" units="cm"/>
+        </inkml:traceFormat>
+        <inkml:channelProperties>
+          <inkml:channelProperty channel="X" name="resolution" value="1000" units="1/cm"/>
+          <inkml:channelProperty channel="Y" name="resolution" value="1000" units="1/cm"/>
+        </inkml:channelProperties>
+      </inkml:inkSource>
+      <inkml:timestamp xml:id="ts0" timeString="2024-09-17T20:57:38.002"/>
+    </inkml:context>
+    <inkml:brush xml:id="br0">
+      <inkml:brushProperty name="width" value="0.3" units="cm"/>
+      <inkml:brushProperty name="height" value="0.6" units="cm"/>
+      <inkml:brushProperty name="color" value="#FFFC00"/>
+      <inkml:brushProperty name="tip" value="rectangle"/>
+      <inkml:brushProperty name="rasterOp" value="maskPen"/>
+      <inkml:brushProperty name="ignorePressure" value="1"/>
+    </inkml:brush>
+  </inkml:definitions>
+  <inkml:trace contextRef="#ctx0" brushRef="#br0">4206 155,'-4'-3,"0"0,-1 1,1-1,0 1,-1 0,0 1,0-1,1 1,-1 0,0 0,0 0,0 1,0 0,-10 0,-3 0,-663-10,430 12,-1856-1,1604-35,12-44,416 65</inkml:trace>
+</inkml:ink>
+</file>
+
+<file path=ppt/ink/ink4.xml><?xml version="1.0" encoding="utf-8"?>
+<inkml:ink xmlns:inkml="http://www.w3.org/2003/InkML">
+  <inkml:definitions>
+    <inkml:context xml:id="ctx0">
+      <inkml:inkSource xml:id="inkSrc0">
+        <inkml:traceFormat>
+          <inkml:channel name="X" type="integer" min="-2.14748E9" max="2.14748E9" units="cm"/>
+          <inkml:channel name="Y" type="integer" min="-2.14748E9" max="2.14748E9" units="cm"/>
+        </inkml:traceFormat>
+        <inkml:channelProperties>
+          <inkml:channelProperty channel="X" name="resolution" value="1000" units="1/cm"/>
+          <inkml:channelProperty channel="Y" name="resolution" value="1000" units="1/cm"/>
+        </inkml:channelProperties>
+      </inkml:inkSource>
+      <inkml:timestamp xml:id="ts0" timeString="2024-09-17T20:57:47.753"/>
+    </inkml:context>
+    <inkml:brush xml:id="br0">
+      <inkml:brushProperty name="width" value="0.3" units="cm"/>
+      <inkml:brushProperty name="height" value="0.6" units="cm"/>
+      <inkml:brushProperty name="color" value="#FFFC00"/>
+      <inkml:brushProperty name="tip" value="rectangle"/>
+      <inkml:brushProperty name="rasterOp" value="maskPen"/>
+      <inkml:brushProperty name="ignorePressure" value="1"/>
+    </inkml:brush>
+  </inkml:definitions>
+  <inkml:trace contextRef="#ctx0" brushRef="#br0">1311 58,'2'-3,"1"2,0-1,0 0,0 1,0-1,1 1,-1 0,0 0,1 0,-1 0,0 1,1 0,6-1,0 0,435-12,-313 14,792-15,-1 1,1206 14,-1987 3,234 37,-348-37,-18-4,1 1,-1 1,1 0,-1 1,15 5,-23-7,0-1,0 1,-1 0,1 1,0-1,-1 0,1 0,-1 1,1-1,-1 1,1-1,-1 1,0 0,0 0,0-1,0 1,0 0,-1 0,1 0,0 0,-1 0,1 0,-1 0,0 0,0 0,0 0,0 0,0 0,0 0,0 0,-1 0,1 0,-2 4,-1 2,-1 1,0 0,0-1,0 0,-1 0,-1 0,1-1,-1 0,-1 0,1 0,-1-1,0 1,-10 4,-4 5,-2-2,0-1,-35 15,-13-2,-1-4,-100 19,140-34,-258 47,-550 30,-303-73,937-12,-1586-3,1510 4,448 0,1127 1,275 109,-855-6,-205-25,170 16,39-22,-179-23,-473-40,-39-1,-28-4,-12 2,-24 2,0-1,0-2,-55 2,9-1,-241 29,-274 25,-493-22,-5-42,337-1,289 12,4 36,392-33,21-4,-1 2,-74 23,83-18,-1-3,0-1,-83 5,-145-10,202-6,-42 2,-148-4,221 0,-59-12,85 11,0 0,1-1,-1 0,1-1,0-1,-24-15,36 20,0 0,0-1,1 1,-1 0,0-1,1 1,0-1,-1 0,1 0,0 0,1 0,-1 0,1 0,-1-1,1 1,-1-5,1 5,1 0,0 0,0 0,0 0,1 0,-1 0,1 0,0 0,0 0,0 0,0 0,0 0,0 1,1-1,0 0,-1 1,1-1,0 1,0 0,3-3,12-9,1 0,0 1,1 1,0 1,26-10,-33 15,95-44,3 5,224-59,-172 68,261-24,50 54,-398 8,662 53,0 44,-92-11,-577-80,36 4,124 29,-225-40,-1-1,0 1,1 0,-1-1,0 1,0 0,1 0,-1 1,3 1,-9 2,-15-1,-151 3,125-6,-1766-1,845-3,-1087 3,2005 0,-166 6,157 4,47-4,14 1,8-2,-1 1,1-2,0 0,1 0,-1-1,22 2,16 5,511 88,20-25,-568-71,439 50,-215-25,1142 122,5-33,-1222-106,750 41,-2-42,-1068-10,-34 0,-75 1,131 1,-1355-32,1017-3,39 0</inkml:trace>
+</inkml:ink>
+</file>
+
+<file path=ppt/ink/ink5.xml><?xml version="1.0" encoding="utf-8"?>
+<inkml:ink xmlns:inkml="http://www.w3.org/2003/InkML">
+  <inkml:definitions>
+    <inkml:context xml:id="ctx0">
+      <inkml:inkSource xml:id="inkSrc0">
+        <inkml:traceFormat>
+          <inkml:channel name="X" type="integer" min="-2.14748E9" max="2.14748E9" units="cm"/>
+          <inkml:channel name="Y" type="integer" min="-2.14748E9" max="2.14748E9" units="cm"/>
+        </inkml:traceFormat>
+        <inkml:channelProperties>
+          <inkml:channelProperty channel="X" name="resolution" value="1000" units="1/cm"/>
+          <inkml:channelProperty channel="Y" name="resolution" value="1000" units="1/cm"/>
+        </inkml:channelProperties>
+      </inkml:inkSource>
+      <inkml:timestamp xml:id="ts0" timeString="2024-09-17T20:57:57.316"/>
+    </inkml:context>
+    <inkml:brush xml:id="br0">
+      <inkml:brushProperty name="width" value="0.3" units="cm"/>
+      <inkml:brushProperty name="height" value="0.6" units="cm"/>
+      <inkml:brushProperty name="color" value="#FFFC00"/>
+      <inkml:brushProperty name="tip" value="rectangle"/>
+      <inkml:brushProperty name="rasterOp" value="maskPen"/>
+      <inkml:brushProperty name="ignorePressure" value="1"/>
+    </inkml:brush>
+  </inkml:definitions>
+  <inkml:trace contextRef="#ctx0" brushRef="#br0">231 30,'9'-3,"0"0,0 0,0 1,1 0,-1 1,1 0,18 1,3-1,930-12,-658 14,3499 0,-3786-1,-5-1,0 1,0 0,1 1,-1 0,0 0,0 2,0-1,15 6,-26-7,1-1,0 0,0 0,0 1,-1-1,1 1,0-1,-1 0,1 1,0-1,-1 1,1 0,0-1,-1 1,1-1,-1 1,1 0,-1 0,0-1,1 1,-1 0,0 0,1-1,-1 1,0 0,0 0,0 0,0-1,1 1,-1 0,0 0,-1 0,1 0,0-1,0 1,0 0,0 0,-1 0,1-1,0 1,-1 0,1 0,0-1,-1 1,0 1,-3 2,0 1,-1-1,1 0,-1 0,-7 4,-19 11,-1-1,-1-1,0-2,-45 14,-153 36,166-49,-749 140,-14-71,-467-31,-3-55,509-2,1000 3,14 0,68 0,261-2,968 10,-959 16,560 98,-1116-121,34 5,1 1,-1 2,65 24,-103-33,0 1,-1 0,1 0,0 1,-1-1,0 0,1 1,-1-1,0 1,0 0,0 0,0 0,0 0,0 0,0 0,-1 1,1-1,1 4,-3-5,0 0,0 0,0 0,0 0,0-1,0 1,0 0,0 0,-1 0,1 0,0-1,-1 1,1 0,-1 0,1 0,0-1,-1 1,0 0,1-1,-1 1,0 0,-2 1,0 1,0-1,0 0,0-1,-1 1,1-1,-5 2,-22 6,-1-2,-1-1,-62 4,89-10,-362 17,170-13</inkml:trace>
+</inkml:ink>
+</file>
+
 <file path=ppt/notesMasters/notesMaster1.xml><?xml version="1.0" encoding="utf-8"?>
 <p:notesMaster xmlns:a="http://schemas.openxmlformats.org/drawingml/2006/main" xmlns:r="http://schemas.openxmlformats.org/officeDocument/2006/relationships" xmlns:p="http://schemas.openxmlformats.org/presentationml/2006/main">
   <p:cSld>
@@ -211,7 +358,7 @@
           <a:p>
             <a:fld id="{7098FEDD-3689-48A2-8601-65F2F36B96E7}" type="datetimeFigureOut">
               <a:rPr lang="en-US" smtClean="0"/>
-              <a:t>9/16/2024</a:t>
+              <a:t>9/17/2024</a:t>
             </a:fld>
             <a:endParaRPr lang="en-US"/>
           </a:p>
@@ -627,7 +774,7 @@
           <a:p>
             <a:fld id="{1F2F3DAB-4AEA-412E-9639-1B2BB99A3979}" type="datetimeFigureOut">
               <a:rPr lang="it-IT" smtClean="0"/>
-              <a:t>16/09/2024</a:t>
+              <a:t>17/09/2024</a:t>
             </a:fld>
             <a:endParaRPr lang="it-IT"/>
           </a:p>
@@ -827,7 +974,7 @@
           <a:p>
             <a:fld id="{1F2F3DAB-4AEA-412E-9639-1B2BB99A3979}" type="datetimeFigureOut">
               <a:rPr lang="it-IT" smtClean="0"/>
-              <a:t>16/09/2024</a:t>
+              <a:t>17/09/2024</a:t>
             </a:fld>
             <a:endParaRPr lang="it-IT"/>
           </a:p>
@@ -1037,7 +1184,7 @@
           <a:p>
             <a:fld id="{1F2F3DAB-4AEA-412E-9639-1B2BB99A3979}" type="datetimeFigureOut">
               <a:rPr lang="it-IT" smtClean="0"/>
-              <a:t>16/09/2024</a:t>
+              <a:t>17/09/2024</a:t>
             </a:fld>
             <a:endParaRPr lang="it-IT"/>
           </a:p>
@@ -1237,7 +1384,7 @@
           <a:p>
             <a:fld id="{1F2F3DAB-4AEA-412E-9639-1B2BB99A3979}" type="datetimeFigureOut">
               <a:rPr lang="it-IT" smtClean="0"/>
-              <a:t>16/09/2024</a:t>
+              <a:t>17/09/2024</a:t>
             </a:fld>
             <a:endParaRPr lang="it-IT"/>
           </a:p>
@@ -1513,7 +1660,7 @@
           <a:p>
             <a:fld id="{1F2F3DAB-4AEA-412E-9639-1B2BB99A3979}" type="datetimeFigureOut">
               <a:rPr lang="it-IT" smtClean="0"/>
-              <a:t>16/09/2024</a:t>
+              <a:t>17/09/2024</a:t>
             </a:fld>
             <a:endParaRPr lang="it-IT"/>
           </a:p>
@@ -1781,7 +1928,7 @@
           <a:p>
             <a:fld id="{1F2F3DAB-4AEA-412E-9639-1B2BB99A3979}" type="datetimeFigureOut">
               <a:rPr lang="it-IT" smtClean="0"/>
-              <a:t>16/09/2024</a:t>
+              <a:t>17/09/2024</a:t>
             </a:fld>
             <a:endParaRPr lang="it-IT"/>
           </a:p>
@@ -2196,7 +2343,7 @@
           <a:p>
             <a:fld id="{1F2F3DAB-4AEA-412E-9639-1B2BB99A3979}" type="datetimeFigureOut">
               <a:rPr lang="it-IT" smtClean="0"/>
-              <a:t>16/09/2024</a:t>
+              <a:t>17/09/2024</a:t>
             </a:fld>
             <a:endParaRPr lang="it-IT"/>
           </a:p>
@@ -2338,7 +2485,7 @@
           <a:p>
             <a:fld id="{1F2F3DAB-4AEA-412E-9639-1B2BB99A3979}" type="datetimeFigureOut">
               <a:rPr lang="it-IT" smtClean="0"/>
-              <a:t>16/09/2024</a:t>
+              <a:t>17/09/2024</a:t>
             </a:fld>
             <a:endParaRPr lang="it-IT"/>
           </a:p>
@@ -2451,7 +2598,7 @@
           <a:p>
             <a:fld id="{1F2F3DAB-4AEA-412E-9639-1B2BB99A3979}" type="datetimeFigureOut">
               <a:rPr lang="it-IT" smtClean="0"/>
-              <a:t>16/09/2024</a:t>
+              <a:t>17/09/2024</a:t>
             </a:fld>
             <a:endParaRPr lang="it-IT"/>
           </a:p>
@@ -2764,7 +2911,7 @@
           <a:p>
             <a:fld id="{1F2F3DAB-4AEA-412E-9639-1B2BB99A3979}" type="datetimeFigureOut">
               <a:rPr lang="it-IT" smtClean="0"/>
-              <a:t>16/09/2024</a:t>
+              <a:t>17/09/2024</a:t>
             </a:fld>
             <a:endParaRPr lang="it-IT"/>
           </a:p>
@@ -3053,7 +3200,7 @@
           <a:p>
             <a:fld id="{1F2F3DAB-4AEA-412E-9639-1B2BB99A3979}" type="datetimeFigureOut">
               <a:rPr lang="it-IT" smtClean="0"/>
-              <a:t>16/09/2024</a:t>
+              <a:t>17/09/2024</a:t>
             </a:fld>
             <a:endParaRPr lang="it-IT"/>
           </a:p>
@@ -3343,7 +3490,7 @@
           <a:p>
             <a:fld id="{1F2F3DAB-4AEA-412E-9639-1B2BB99A3979}" type="datetimeFigureOut">
               <a:rPr lang="it-IT" smtClean="0"/>
-              <a:t>16/09/2024</a:t>
+              <a:t>17/09/2024</a:t>
             </a:fld>
             <a:endParaRPr lang="it-IT"/>
           </a:p>
@@ -4039,36 +4186,6 @@
           </a:p>
         </p:txBody>
       </p:sp>
-      <p:pic>
-        <p:nvPicPr>
-          <p:cNvPr id="6" name="Picture 5">
-            <a:extLst>
-              <a:ext uri="{FF2B5EF4-FFF2-40B4-BE49-F238E27FC236}">
-                <a16:creationId xmlns:a16="http://schemas.microsoft.com/office/drawing/2014/main" id="{D9F842CD-D27C-CB94-828E-D15CB2ED3FE6}"/>
-              </a:ext>
-            </a:extLst>
-          </p:cNvPr>
-          <p:cNvPicPr>
-            <a:picLocks noChangeAspect="1"/>
-          </p:cNvPicPr>
-          <p:nvPr/>
-        </p:nvPicPr>
-        <p:blipFill>
-          <a:blip r:embed="rId2"/>
-          <a:stretch>
-            <a:fillRect/>
-          </a:stretch>
-        </p:blipFill>
-        <p:spPr>
-          <a:xfrm>
-            <a:off x="4976345" y="877455"/>
-            <a:ext cx="7090796" cy="4787976"/>
-          </a:xfrm>
-          <a:prstGeom prst="rect">
-            <a:avLst/>
-          </a:prstGeom>
-        </p:spPr>
-      </p:pic>
       <p:sp>
         <p:nvSpPr>
           <p:cNvPr id="12" name="Freeform: Shape 11">
@@ -5082,7 +5199,7 @@
           <a:lstStyle/>
           <a:p>
             <a:r>
-              <a:rPr lang="en-US" sz="4400" kern="1200" dirty="0">
+              <a:rPr lang="en-US" sz="4400" kern="1200">
                 <a:solidFill>
                   <a:schemeClr val="tx1"/>
                 </a:solidFill>
@@ -5090,7 +5207,7 @@
                 <a:ea typeface="+mj-ea"/>
                 <a:cs typeface="+mj-cs"/>
               </a:rPr>
-              <a:t>Let’s generalize it</a:t>
+              <a:t>Let’s start simple</a:t>
             </a:r>
           </a:p>
         </p:txBody>
@@ -5124,7 +5241,7 @@
           <a:lstStyle/>
           <a:p>
             <a:r>
-              <a:rPr lang="en-US" kern="1200" dirty="0">
+              <a:rPr lang="en-US" kern="1200">
                 <a:solidFill>
                   <a:schemeClr val="tx1"/>
                 </a:solidFill>
@@ -5132,15 +5249,45 @@
                 <a:ea typeface="+mn-ea"/>
                 <a:cs typeface="+mn-cs"/>
               </a:rPr>
-              <a:t>With YAML</a:t>
+              <a:t>With a monolith</a:t>
             </a:r>
           </a:p>
         </p:txBody>
       </p:sp>
+      <p:pic>
+        <p:nvPicPr>
+          <p:cNvPr id="5" name="Picture 4">
+            <a:extLst>
+              <a:ext uri="{FF2B5EF4-FFF2-40B4-BE49-F238E27FC236}">
+                <a16:creationId xmlns:a16="http://schemas.microsoft.com/office/drawing/2014/main" id="{433BAFFF-599D-CED2-DF71-57611C9770B4}"/>
+              </a:ext>
+            </a:extLst>
+          </p:cNvPr>
+          <p:cNvPicPr>
+            <a:picLocks noChangeAspect="1"/>
+          </p:cNvPicPr>
+          <p:nvPr/>
+        </p:nvPicPr>
+        <p:blipFill>
+          <a:blip r:embed="rId2"/>
+          <a:stretch>
+            <a:fillRect/>
+          </a:stretch>
+        </p:blipFill>
+        <p:spPr>
+          <a:xfrm>
+            <a:off x="7301616" y="643467"/>
+            <a:ext cx="3551554" cy="5571066"/>
+          </a:xfrm>
+          <a:prstGeom prst="rect">
+            <a:avLst/>
+          </a:prstGeom>
+        </p:spPr>
+      </p:pic>
     </p:spTree>
     <p:extLst>
       <p:ext uri="{BB962C8B-B14F-4D97-AF65-F5344CB8AC3E}">
-        <p14:creationId xmlns:p14="http://schemas.microsoft.com/office/powerpoint/2010/main" val="1842341382"/>
+        <p14:creationId xmlns:p14="http://schemas.microsoft.com/office/powerpoint/2010/main" val="2018758675"/>
       </p:ext>
     </p:extLst>
   </p:cSld>
@@ -5172,6 +5319,1290 @@
           <p:cNvPr id="2" name="Title 1">
             <a:extLst>
               <a:ext uri="{FF2B5EF4-FFF2-40B4-BE49-F238E27FC236}">
+                <a16:creationId xmlns:a16="http://schemas.microsoft.com/office/drawing/2014/main" id="{3583563F-C161-F834-D529-A3F9FE9D41B3}"/>
+              </a:ext>
+            </a:extLst>
+          </p:cNvPr>
+          <p:cNvSpPr>
+            <a:spLocks noGrp="1"/>
+          </p:cNvSpPr>
+          <p:nvPr>
+            <p:ph type="title"/>
+          </p:nvPr>
+        </p:nvSpPr>
+        <p:spPr/>
+        <p:txBody>
+          <a:bodyPr/>
+          <a:lstStyle/>
+          <a:p>
+            <a:r>
+              <a:rPr lang="it-IT" dirty="0"/>
+              <a:t>DEMO</a:t>
+            </a:r>
+            <a:endParaRPr lang="en-US" dirty="0"/>
+          </a:p>
+        </p:txBody>
+      </p:sp>
+      <p:sp>
+        <p:nvSpPr>
+          <p:cNvPr id="3" name="Text Placeholder 2">
+            <a:extLst>
+              <a:ext uri="{FF2B5EF4-FFF2-40B4-BE49-F238E27FC236}">
+                <a16:creationId xmlns:a16="http://schemas.microsoft.com/office/drawing/2014/main" id="{917818B5-D61A-5F70-E2D4-FD8573F0190D}"/>
+              </a:ext>
+            </a:extLst>
+          </p:cNvPr>
+          <p:cNvSpPr>
+            <a:spLocks noGrp="1"/>
+          </p:cNvSpPr>
+          <p:nvPr>
+            <p:ph type="body" idx="1"/>
+          </p:nvPr>
+        </p:nvSpPr>
+        <p:spPr/>
+        <p:txBody>
+          <a:bodyPr/>
+          <a:lstStyle/>
+          <a:p>
+            <a:r>
+              <a:rPr lang="it-IT" dirty="0"/>
+              <a:t>Demo application | Kubernetes | Monolith process</a:t>
+            </a:r>
+            <a:endParaRPr lang="en-US" dirty="0"/>
+          </a:p>
+        </p:txBody>
+      </p:sp>
+    </p:spTree>
+    <p:extLst>
+      <p:ext uri="{BB962C8B-B14F-4D97-AF65-F5344CB8AC3E}">
+        <p14:creationId xmlns:p14="http://schemas.microsoft.com/office/powerpoint/2010/main" val="3692882268"/>
+      </p:ext>
+    </p:extLst>
+  </p:cSld>
+  <p:clrMapOvr>
+    <a:masterClrMapping/>
+  </p:clrMapOvr>
+</p:sld>
+</file>
+
+<file path=ppt/slides/slide12.xml><?xml version="1.0" encoding="utf-8"?>
+<p:sld xmlns:a="http://schemas.openxmlformats.org/drawingml/2006/main" xmlns:r="http://schemas.openxmlformats.org/officeDocument/2006/relationships" xmlns:p="http://schemas.openxmlformats.org/presentationml/2006/main">
+  <p:cSld>
+    <p:bg>
+      <p:bgPr>
+        <a:solidFill>
+          <a:schemeClr val="bg1"/>
+        </a:solidFill>
+        <a:effectLst/>
+      </p:bgPr>
+    </p:bg>
+    <p:spTree>
+      <p:nvGrpSpPr>
+        <p:cNvPr id="1" name=""/>
+        <p:cNvGrpSpPr/>
+        <p:nvPr/>
+      </p:nvGrpSpPr>
+      <p:grpSpPr>
+        <a:xfrm>
+          <a:off x="0" y="0"/>
+          <a:ext cx="0" cy="0"/>
+          <a:chOff x="0" y="0"/>
+          <a:chExt cx="0" cy="0"/>
+        </a:xfrm>
+      </p:grpSpPr>
+      <p:sp useBgFill="1">
+        <p:nvSpPr>
+          <p:cNvPr id="10" name="Rectangle 9">
+            <a:extLst>
+              <a:ext uri="{FF2B5EF4-FFF2-40B4-BE49-F238E27FC236}">
+                <a16:creationId xmlns:a16="http://schemas.microsoft.com/office/drawing/2014/main" id="{B7BD7FCF-A254-4A97-A15C-319B67622677}"/>
+              </a:ext>
+              <a:ext uri="{C183D7F6-B498-43B3-948B-1728B52AA6E4}">
+                <adec:decorative xmlns:adec="http://schemas.microsoft.com/office/drawing/2017/decorative" val="1"/>
+              </a:ext>
+            </a:extLst>
+          </p:cNvPr>
+          <p:cNvSpPr>
+            <a:spLocks noGrp="1" noRot="1" noChangeAspect="1" noMove="1" noResize="1" noEditPoints="1" noAdjustHandles="1" noChangeArrowheads="1" noChangeShapeType="1" noTextEdit="1"/>
+          </p:cNvSpPr>
+          <p:nvPr>
+            <p:extLst>
+              <p:ext uri="{386F3935-93C4-4BCD-93E2-E3B085C9AB24}">
+                <p16:designElem xmlns:p16="http://schemas.microsoft.com/office/powerpoint/2015/main" val="1"/>
+              </p:ext>
+            </p:extLst>
+          </p:nvPr>
+        </p:nvSpPr>
+        <p:spPr>
+          <a:xfrm>
+            <a:off x="0" y="0"/>
+            <a:ext cx="12188952" cy="6858000"/>
+          </a:xfrm>
+          <a:prstGeom prst="rect">
+            <a:avLst/>
+          </a:prstGeom>
+          <a:ln>
+            <a:noFill/>
+          </a:ln>
+        </p:spPr>
+        <p:style>
+          <a:lnRef idx="2">
+            <a:schemeClr val="accent1">
+              <a:shade val="50000"/>
+            </a:schemeClr>
+          </a:lnRef>
+          <a:fillRef idx="1">
+            <a:schemeClr val="accent1"/>
+          </a:fillRef>
+          <a:effectRef idx="0">
+            <a:schemeClr val="accent1"/>
+          </a:effectRef>
+          <a:fontRef idx="minor">
+            <a:schemeClr val="lt1"/>
+          </a:fontRef>
+        </p:style>
+        <p:txBody>
+          <a:bodyPr rtlCol="0" anchor="ctr"/>
+          <a:lstStyle/>
+          <a:p>
+            <a:pPr algn="ctr"/>
+            <a:endParaRPr lang="en-US"/>
+          </a:p>
+        </p:txBody>
+      </p:sp>
+      <p:pic>
+        <p:nvPicPr>
+          <p:cNvPr id="6" name="Picture 5">
+            <a:extLst>
+              <a:ext uri="{FF2B5EF4-FFF2-40B4-BE49-F238E27FC236}">
+                <a16:creationId xmlns:a16="http://schemas.microsoft.com/office/drawing/2014/main" id="{D9F842CD-D27C-CB94-828E-D15CB2ED3FE6}"/>
+              </a:ext>
+            </a:extLst>
+          </p:cNvPr>
+          <p:cNvPicPr>
+            <a:picLocks noChangeAspect="1"/>
+          </p:cNvPicPr>
+          <p:nvPr/>
+        </p:nvPicPr>
+        <p:blipFill>
+          <a:blip r:embed="rId2"/>
+          <a:stretch>
+            <a:fillRect/>
+          </a:stretch>
+        </p:blipFill>
+        <p:spPr>
+          <a:xfrm>
+            <a:off x="4976345" y="877455"/>
+            <a:ext cx="7090796" cy="4787976"/>
+          </a:xfrm>
+          <a:prstGeom prst="rect">
+            <a:avLst/>
+          </a:prstGeom>
+        </p:spPr>
+      </p:pic>
+      <p:sp>
+        <p:nvSpPr>
+          <p:cNvPr id="12" name="Freeform: Shape 11">
+            <a:extLst>
+              <a:ext uri="{FF2B5EF4-FFF2-40B4-BE49-F238E27FC236}">
+                <a16:creationId xmlns:a16="http://schemas.microsoft.com/office/drawing/2014/main" id="{52FFAF72-6204-4676-9C6F-9A4CC4D91805}"/>
+              </a:ext>
+              <a:ext uri="{C183D7F6-B498-43B3-948B-1728B52AA6E4}">
+                <adec:decorative xmlns:adec="http://schemas.microsoft.com/office/drawing/2017/decorative" val="1"/>
+              </a:ext>
+            </a:extLst>
+          </p:cNvPr>
+          <p:cNvSpPr>
+            <a:spLocks noGrp="1" noRot="1" noChangeAspect="1" noMove="1" noResize="1" noEditPoints="1" noAdjustHandles="1" noChangeArrowheads="1" noChangeShapeType="1" noTextEdit="1"/>
+          </p:cNvSpPr>
+          <p:nvPr>
+            <p:extLst>
+              <p:ext uri="{386F3935-93C4-4BCD-93E2-E3B085C9AB24}">
+                <p16:designElem xmlns:p16="http://schemas.microsoft.com/office/powerpoint/2015/main" val="1"/>
+              </p:ext>
+            </p:extLst>
+          </p:nvPr>
+        </p:nvSpPr>
+        <p:spPr>
+          <a:xfrm flipH="1">
+            <a:off x="0" y="0"/>
+            <a:ext cx="5962785" cy="6858000"/>
+          </a:xfrm>
+          <a:custGeom>
+            <a:avLst/>
+            <a:gdLst>
+              <a:gd name="connsiteX0" fmla="*/ 1044839 w 5962785"/>
+              <a:gd name="connsiteY0" fmla="*/ 0 h 6858000"/>
+              <a:gd name="connsiteX1" fmla="*/ 5962785 w 5962785"/>
+              <a:gd name="connsiteY1" fmla="*/ 0 h 6858000"/>
+              <a:gd name="connsiteX2" fmla="*/ 5962785 w 5962785"/>
+              <a:gd name="connsiteY2" fmla="*/ 6858000 h 6858000"/>
+              <a:gd name="connsiteX3" fmla="*/ 1469886 w 5962785"/>
+              <a:gd name="connsiteY3" fmla="*/ 6858000 h 6858000"/>
+              <a:gd name="connsiteX4" fmla="*/ 1416006 w 5962785"/>
+              <a:gd name="connsiteY4" fmla="*/ 6823984 h 6858000"/>
+              <a:gd name="connsiteX5" fmla="*/ 1232473 w 5962785"/>
+              <a:gd name="connsiteY5" fmla="*/ 6733873 h 6858000"/>
+              <a:gd name="connsiteX6" fmla="*/ 1075471 w 5962785"/>
+              <a:gd name="connsiteY6" fmla="*/ 6503186 h 6858000"/>
+              <a:gd name="connsiteX7" fmla="*/ 1020229 w 5962785"/>
+              <a:gd name="connsiteY7" fmla="*/ 6438306 h 6858000"/>
+              <a:gd name="connsiteX8" fmla="*/ 883579 w 5962785"/>
+              <a:gd name="connsiteY8" fmla="*/ 6351798 h 6858000"/>
+              <a:gd name="connsiteX9" fmla="*/ 645167 w 5962785"/>
+              <a:gd name="connsiteY9" fmla="*/ 6167969 h 6858000"/>
+              <a:gd name="connsiteX10" fmla="*/ 732391 w 5962785"/>
+              <a:gd name="connsiteY10" fmla="*/ 6124716 h 6858000"/>
+              <a:gd name="connsiteX11" fmla="*/ 985339 w 5962785"/>
+              <a:gd name="connsiteY11" fmla="*/ 6236455 h 6858000"/>
+              <a:gd name="connsiteX12" fmla="*/ 1168509 w 5962785"/>
+              <a:gd name="connsiteY12" fmla="*/ 6265291 h 6858000"/>
+              <a:gd name="connsiteX13" fmla="*/ 909746 w 5962785"/>
+              <a:gd name="connsiteY13" fmla="*/ 6070649 h 6858000"/>
+              <a:gd name="connsiteX14" fmla="*/ 659704 w 5962785"/>
+              <a:gd name="connsiteY14" fmla="*/ 5818335 h 6858000"/>
+              <a:gd name="connsiteX15" fmla="*/ 851597 w 5962785"/>
+              <a:gd name="connsiteY15" fmla="*/ 5865193 h 6858000"/>
+              <a:gd name="connsiteX16" fmla="*/ 860319 w 5962785"/>
+              <a:gd name="connsiteY16" fmla="*/ 5832753 h 6858000"/>
+              <a:gd name="connsiteX17" fmla="*/ 691686 w 5962785"/>
+              <a:gd name="connsiteY17" fmla="*/ 5533581 h 6858000"/>
+              <a:gd name="connsiteX18" fmla="*/ 610278 w 5962785"/>
+              <a:gd name="connsiteY18" fmla="*/ 5411029 h 6858000"/>
+              <a:gd name="connsiteX19" fmla="*/ 238123 w 5962785"/>
+              <a:gd name="connsiteY19" fmla="*/ 5046976 h 6858000"/>
+              <a:gd name="connsiteX20" fmla="*/ 592833 w 5962785"/>
+              <a:gd name="connsiteY20" fmla="*/ 5209177 h 6858000"/>
+              <a:gd name="connsiteX21" fmla="*/ 226494 w 5962785"/>
+              <a:gd name="connsiteY21" fmla="*/ 4855939 h 6858000"/>
+              <a:gd name="connsiteX22" fmla="*/ 49139 w 5962785"/>
+              <a:gd name="connsiteY22" fmla="*/ 4726177 h 6858000"/>
+              <a:gd name="connsiteX23" fmla="*/ 5527 w 5962785"/>
+              <a:gd name="connsiteY23" fmla="*/ 4650483 h 6858000"/>
+              <a:gd name="connsiteX24" fmla="*/ 84029 w 5962785"/>
+              <a:gd name="connsiteY24" fmla="*/ 4632460 h 6858000"/>
+              <a:gd name="connsiteX25" fmla="*/ 325347 w 5962785"/>
+              <a:gd name="connsiteY25" fmla="*/ 4661296 h 6858000"/>
+              <a:gd name="connsiteX26" fmla="*/ 25879 w 5962785"/>
+              <a:gd name="connsiteY26" fmla="*/ 4423401 h 6858000"/>
+              <a:gd name="connsiteX27" fmla="*/ 249753 w 5962785"/>
+              <a:gd name="connsiteY27" fmla="*/ 4459446 h 6858000"/>
+              <a:gd name="connsiteX28" fmla="*/ 313718 w 5962785"/>
+              <a:gd name="connsiteY28" fmla="*/ 4365729 h 6858000"/>
+              <a:gd name="connsiteX29" fmla="*/ 418386 w 5962785"/>
+              <a:gd name="connsiteY29" fmla="*/ 4214341 h 6858000"/>
+              <a:gd name="connsiteX30" fmla="*/ 491072 w 5962785"/>
+              <a:gd name="connsiteY30" fmla="*/ 4131438 h 6858000"/>
+              <a:gd name="connsiteX31" fmla="*/ 520147 w 5962785"/>
+              <a:gd name="connsiteY31" fmla="*/ 3864706 h 6858000"/>
+              <a:gd name="connsiteX32" fmla="*/ 459090 w 5962785"/>
+              <a:gd name="connsiteY32" fmla="*/ 3572743 h 6858000"/>
+              <a:gd name="connsiteX33" fmla="*/ 290458 w 5962785"/>
+              <a:gd name="connsiteY33" fmla="*/ 3424959 h 6858000"/>
+              <a:gd name="connsiteX34" fmla="*/ 339884 w 5962785"/>
+              <a:gd name="connsiteY34" fmla="*/ 3259153 h 6858000"/>
+              <a:gd name="connsiteX35" fmla="*/ 697501 w 5962785"/>
+              <a:gd name="connsiteY35" fmla="*/ 3360078 h 6858000"/>
+              <a:gd name="connsiteX36" fmla="*/ 165437 w 5962785"/>
+              <a:gd name="connsiteY36" fmla="*/ 2967190 h 6858000"/>
+              <a:gd name="connsiteX37" fmla="*/ 255568 w 5962785"/>
+              <a:gd name="connsiteY37" fmla="*/ 2949167 h 6858000"/>
+              <a:gd name="connsiteX38" fmla="*/ 578296 w 5962785"/>
+              <a:gd name="connsiteY38" fmla="*/ 2725691 h 6858000"/>
+              <a:gd name="connsiteX39" fmla="*/ 595740 w 5962785"/>
+              <a:gd name="connsiteY39" fmla="*/ 2714876 h 6858000"/>
+              <a:gd name="connsiteX40" fmla="*/ 650982 w 5962785"/>
+              <a:gd name="connsiteY40" fmla="*/ 2574301 h 6858000"/>
+              <a:gd name="connsiteX41" fmla="*/ 825429 w 5962785"/>
+              <a:gd name="connsiteY41" fmla="*/ 2552674 h 6858000"/>
+              <a:gd name="connsiteX42" fmla="*/ 970802 w 5962785"/>
+              <a:gd name="connsiteY42" fmla="*/ 2585115 h 6858000"/>
+              <a:gd name="connsiteX43" fmla="*/ 1127805 w 5962785"/>
+              <a:gd name="connsiteY43" fmla="*/ 2545465 h 6858000"/>
+              <a:gd name="connsiteX44" fmla="*/ 1267362 w 5962785"/>
+              <a:gd name="connsiteY44" fmla="*/ 2563488 h 6858000"/>
+              <a:gd name="connsiteX45" fmla="*/ 1386568 w 5962785"/>
+              <a:gd name="connsiteY45" fmla="*/ 2538257 h 6858000"/>
+              <a:gd name="connsiteX46" fmla="*/ 1270270 w 5962785"/>
+              <a:gd name="connsiteY46" fmla="*/ 2419309 h 6858000"/>
+              <a:gd name="connsiteX47" fmla="*/ 1107453 w 5962785"/>
+              <a:gd name="connsiteY47" fmla="*/ 2419309 h 6858000"/>
+              <a:gd name="connsiteX48" fmla="*/ 991154 w 5962785"/>
+              <a:gd name="connsiteY48" fmla="*/ 2343615 h 6858000"/>
+              <a:gd name="connsiteX49" fmla="*/ 880671 w 5962785"/>
+              <a:gd name="connsiteY49" fmla="*/ 2206645 h 6858000"/>
+              <a:gd name="connsiteX50" fmla="*/ 491072 w 5962785"/>
+              <a:gd name="connsiteY50" fmla="*/ 1986771 h 6858000"/>
+              <a:gd name="connsiteX51" fmla="*/ 421293 w 5962785"/>
+              <a:gd name="connsiteY51" fmla="*/ 1903868 h 6858000"/>
+              <a:gd name="connsiteX52" fmla="*/ 1531941 w 5962785"/>
+              <a:gd name="connsiteY52" fmla="*/ 2224667 h 6858000"/>
+              <a:gd name="connsiteX53" fmla="*/ 1188861 w 5962785"/>
+              <a:gd name="connsiteY53" fmla="*/ 2091301 h 6858000"/>
+              <a:gd name="connsiteX54" fmla="*/ 1421458 w 5962785"/>
+              <a:gd name="connsiteY54" fmla="*/ 2116532 h 6858000"/>
+              <a:gd name="connsiteX55" fmla="*/ 1549386 w 5962785"/>
+              <a:gd name="connsiteY55" fmla="*/ 2026420 h 6858000"/>
+              <a:gd name="connsiteX56" fmla="*/ 1549386 w 5962785"/>
+              <a:gd name="connsiteY56" fmla="*/ 1997584 h 6858000"/>
+              <a:gd name="connsiteX57" fmla="*/ 1453440 w 5962785"/>
+              <a:gd name="connsiteY57" fmla="*/ 1914682 h 6858000"/>
+              <a:gd name="connsiteX58" fmla="*/ 1398198 w 5962785"/>
+              <a:gd name="connsiteY58" fmla="*/ 1860614 h 6858000"/>
+              <a:gd name="connsiteX59" fmla="*/ 1247011 w 5962785"/>
+              <a:gd name="connsiteY59" fmla="*/ 1665972 h 6858000"/>
+              <a:gd name="connsiteX60" fmla="*/ 1354586 w 5962785"/>
+              <a:gd name="connsiteY60" fmla="*/ 1644345 h 6858000"/>
+              <a:gd name="connsiteX61" fmla="*/ 1395290 w 5962785"/>
+              <a:gd name="connsiteY61" fmla="*/ 1604696 h 6858000"/>
+              <a:gd name="connsiteX62" fmla="*/ 1366216 w 5962785"/>
+              <a:gd name="connsiteY62" fmla="*/ 1547025 h 6858000"/>
+              <a:gd name="connsiteX63" fmla="*/ 1031858 w 5962785"/>
+              <a:gd name="connsiteY63" fmla="*/ 1370405 h 6858000"/>
+              <a:gd name="connsiteX64" fmla="*/ 1005692 w 5962785"/>
+              <a:gd name="connsiteY64" fmla="*/ 1233435 h 6858000"/>
+              <a:gd name="connsiteX65" fmla="*/ 1069655 w 5962785"/>
+              <a:gd name="connsiteY65" fmla="*/ 1211808 h 6858000"/>
+              <a:gd name="connsiteX66" fmla="*/ 1142342 w 5962785"/>
+              <a:gd name="connsiteY66" fmla="*/ 1222621 h 6858000"/>
+              <a:gd name="connsiteX67" fmla="*/ 1084193 w 5962785"/>
+              <a:gd name="connsiteY67" fmla="*/ 1114487 h 6858000"/>
+              <a:gd name="connsiteX68" fmla="*/ 848689 w 5962785"/>
+              <a:gd name="connsiteY68" fmla="*/ 1006353 h 6858000"/>
+              <a:gd name="connsiteX69" fmla="*/ 805077 w 5962785"/>
+              <a:gd name="connsiteY69" fmla="*/ 948681 h 6858000"/>
+              <a:gd name="connsiteX70" fmla="*/ 863226 w 5962785"/>
+              <a:gd name="connsiteY70" fmla="*/ 919844 h 6858000"/>
+              <a:gd name="connsiteX71" fmla="*/ 906838 w 5962785"/>
+              <a:gd name="connsiteY71" fmla="*/ 909031 h 6858000"/>
+              <a:gd name="connsiteX72" fmla="*/ 5527 w 5962785"/>
+              <a:gd name="connsiteY72" fmla="*/ 458471 h 6858000"/>
+              <a:gd name="connsiteX73" fmla="*/ 209049 w 5962785"/>
+              <a:gd name="connsiteY73" fmla="*/ 454867 h 6858000"/>
+              <a:gd name="connsiteX74" fmla="*/ 409664 w 5962785"/>
+              <a:gd name="connsiteY74" fmla="*/ 526956 h 6858000"/>
+              <a:gd name="connsiteX75" fmla="*/ 621908 w 5962785"/>
+              <a:gd name="connsiteY75" fmla="*/ 516143 h 6858000"/>
+              <a:gd name="connsiteX76" fmla="*/ 822522 w 5962785"/>
+              <a:gd name="connsiteY76" fmla="*/ 552188 h 6858000"/>
+              <a:gd name="connsiteX77" fmla="*/ 996969 w 5962785"/>
+              <a:gd name="connsiteY77" fmla="*/ 552188 h 6858000"/>
+              <a:gd name="connsiteX78" fmla="*/ 834151 w 5962785"/>
+              <a:gd name="connsiteY78" fmla="*/ 498120 h 6858000"/>
+              <a:gd name="connsiteX79" fmla="*/ 773095 w 5962785"/>
+              <a:gd name="connsiteY79" fmla="*/ 408008 h 6858000"/>
+              <a:gd name="connsiteX80" fmla="*/ 793447 w 5962785"/>
+              <a:gd name="connsiteY80" fmla="*/ 325106 h 6858000"/>
+              <a:gd name="connsiteX81" fmla="*/ 860319 w 5962785"/>
+              <a:gd name="connsiteY81" fmla="*/ 350336 h 6858000"/>
+              <a:gd name="connsiteX82" fmla="*/ 938820 w 5962785"/>
+              <a:gd name="connsiteY82" fmla="*/ 444054 h 6858000"/>
+              <a:gd name="connsiteX83" fmla="*/ 956265 w 5962785"/>
+              <a:gd name="connsiteY83" fmla="*/ 386381 h 6858000"/>
+              <a:gd name="connsiteX84" fmla="*/ 1002784 w 5962785"/>
+              <a:gd name="connsiteY84" fmla="*/ 343127 h 6858000"/>
+              <a:gd name="connsiteX85" fmla="*/ 1270270 w 5962785"/>
+              <a:gd name="connsiteY85" fmla="*/ 364755 h 6858000"/>
+              <a:gd name="connsiteX86" fmla="*/ 1092915 w 5962785"/>
+              <a:gd name="connsiteY86" fmla="*/ 180926 h 6858000"/>
+              <a:gd name="connsiteX87" fmla="*/ 979525 w 5962785"/>
+              <a:gd name="connsiteY87" fmla="*/ 152090 h 6858000"/>
+              <a:gd name="connsiteX88" fmla="*/ 953358 w 5962785"/>
+              <a:gd name="connsiteY88" fmla="*/ 76396 h 6858000"/>
+              <a:gd name="connsiteX89" fmla="*/ 1005692 w 5962785"/>
+              <a:gd name="connsiteY89" fmla="*/ 58373 h 6858000"/>
+              <a:gd name="connsiteX90" fmla="*/ 1267362 w 5962785"/>
+              <a:gd name="connsiteY90" fmla="*/ 123254 h 6858000"/>
+              <a:gd name="connsiteX91" fmla="*/ 1310975 w 5962785"/>
+              <a:gd name="connsiteY91" fmla="*/ 98023 h 6858000"/>
+              <a:gd name="connsiteX92" fmla="*/ 1159787 w 5962785"/>
+              <a:gd name="connsiteY92" fmla="*/ 43505 h 6858000"/>
+            </a:gdLst>
+            <a:ahLst/>
+            <a:cxnLst>
+              <a:cxn ang="0">
+                <a:pos x="connsiteX0" y="connsiteY0"/>
+              </a:cxn>
+              <a:cxn ang="0">
+                <a:pos x="connsiteX1" y="connsiteY1"/>
+              </a:cxn>
+              <a:cxn ang="0">
+                <a:pos x="connsiteX2" y="connsiteY2"/>
+              </a:cxn>
+              <a:cxn ang="0">
+                <a:pos x="connsiteX3" y="connsiteY3"/>
+              </a:cxn>
+              <a:cxn ang="0">
+                <a:pos x="connsiteX4" y="connsiteY4"/>
+              </a:cxn>
+              <a:cxn ang="0">
+                <a:pos x="connsiteX5" y="connsiteY5"/>
+              </a:cxn>
+              <a:cxn ang="0">
+                <a:pos x="connsiteX6" y="connsiteY6"/>
+              </a:cxn>
+              <a:cxn ang="0">
+                <a:pos x="connsiteX7" y="connsiteY7"/>
+              </a:cxn>
+              <a:cxn ang="0">
+                <a:pos x="connsiteX8" y="connsiteY8"/>
+              </a:cxn>
+              <a:cxn ang="0">
+                <a:pos x="connsiteX9" y="connsiteY9"/>
+              </a:cxn>
+              <a:cxn ang="0">
+                <a:pos x="connsiteX10" y="connsiteY10"/>
+              </a:cxn>
+              <a:cxn ang="0">
+                <a:pos x="connsiteX11" y="connsiteY11"/>
+              </a:cxn>
+              <a:cxn ang="0">
+                <a:pos x="connsiteX12" y="connsiteY12"/>
+              </a:cxn>
+              <a:cxn ang="0">
+                <a:pos x="connsiteX13" y="connsiteY13"/>
+              </a:cxn>
+              <a:cxn ang="0">
+                <a:pos x="connsiteX14" y="connsiteY14"/>
+              </a:cxn>
+              <a:cxn ang="0">
+                <a:pos x="connsiteX15" y="connsiteY15"/>
+              </a:cxn>
+              <a:cxn ang="0">
+                <a:pos x="connsiteX16" y="connsiteY16"/>
+              </a:cxn>
+              <a:cxn ang="0">
+                <a:pos x="connsiteX17" y="connsiteY17"/>
+              </a:cxn>
+              <a:cxn ang="0">
+                <a:pos x="connsiteX18" y="connsiteY18"/>
+              </a:cxn>
+              <a:cxn ang="0">
+                <a:pos x="connsiteX19" y="connsiteY19"/>
+              </a:cxn>
+              <a:cxn ang="0">
+                <a:pos x="connsiteX20" y="connsiteY20"/>
+              </a:cxn>
+              <a:cxn ang="0">
+                <a:pos x="connsiteX21" y="connsiteY21"/>
+              </a:cxn>
+              <a:cxn ang="0">
+                <a:pos x="connsiteX22" y="connsiteY22"/>
+              </a:cxn>
+              <a:cxn ang="0">
+                <a:pos x="connsiteX23" y="connsiteY23"/>
+              </a:cxn>
+              <a:cxn ang="0">
+                <a:pos x="connsiteX24" y="connsiteY24"/>
+              </a:cxn>
+              <a:cxn ang="0">
+                <a:pos x="connsiteX25" y="connsiteY25"/>
+              </a:cxn>
+              <a:cxn ang="0">
+                <a:pos x="connsiteX26" y="connsiteY26"/>
+              </a:cxn>
+              <a:cxn ang="0">
+                <a:pos x="connsiteX27" y="connsiteY27"/>
+              </a:cxn>
+              <a:cxn ang="0">
+                <a:pos x="connsiteX28" y="connsiteY28"/>
+              </a:cxn>
+              <a:cxn ang="0">
+                <a:pos x="connsiteX29" y="connsiteY29"/>
+              </a:cxn>
+              <a:cxn ang="0">
+                <a:pos x="connsiteX30" y="connsiteY30"/>
+              </a:cxn>
+              <a:cxn ang="0">
+                <a:pos x="connsiteX31" y="connsiteY31"/>
+              </a:cxn>
+              <a:cxn ang="0">
+                <a:pos x="connsiteX32" y="connsiteY32"/>
+              </a:cxn>
+              <a:cxn ang="0">
+                <a:pos x="connsiteX33" y="connsiteY33"/>
+              </a:cxn>
+              <a:cxn ang="0">
+                <a:pos x="connsiteX34" y="connsiteY34"/>
+              </a:cxn>
+              <a:cxn ang="0">
+                <a:pos x="connsiteX35" y="connsiteY35"/>
+              </a:cxn>
+              <a:cxn ang="0">
+                <a:pos x="connsiteX36" y="connsiteY36"/>
+              </a:cxn>
+              <a:cxn ang="0">
+                <a:pos x="connsiteX37" y="connsiteY37"/>
+              </a:cxn>
+              <a:cxn ang="0">
+                <a:pos x="connsiteX38" y="connsiteY38"/>
+              </a:cxn>
+              <a:cxn ang="0">
+                <a:pos x="connsiteX39" y="connsiteY39"/>
+              </a:cxn>
+              <a:cxn ang="0">
+                <a:pos x="connsiteX40" y="connsiteY40"/>
+              </a:cxn>
+              <a:cxn ang="0">
+                <a:pos x="connsiteX41" y="connsiteY41"/>
+              </a:cxn>
+              <a:cxn ang="0">
+                <a:pos x="connsiteX42" y="connsiteY42"/>
+              </a:cxn>
+              <a:cxn ang="0">
+                <a:pos x="connsiteX43" y="connsiteY43"/>
+              </a:cxn>
+              <a:cxn ang="0">
+                <a:pos x="connsiteX44" y="connsiteY44"/>
+              </a:cxn>
+              <a:cxn ang="0">
+                <a:pos x="connsiteX45" y="connsiteY45"/>
+              </a:cxn>
+              <a:cxn ang="0">
+                <a:pos x="connsiteX46" y="connsiteY46"/>
+              </a:cxn>
+              <a:cxn ang="0">
+                <a:pos x="connsiteX47" y="connsiteY47"/>
+              </a:cxn>
+              <a:cxn ang="0">
+                <a:pos x="connsiteX48" y="connsiteY48"/>
+              </a:cxn>
+              <a:cxn ang="0">
+                <a:pos x="connsiteX49" y="connsiteY49"/>
+              </a:cxn>
+              <a:cxn ang="0">
+                <a:pos x="connsiteX50" y="connsiteY50"/>
+              </a:cxn>
+              <a:cxn ang="0">
+                <a:pos x="connsiteX51" y="connsiteY51"/>
+              </a:cxn>
+              <a:cxn ang="0">
+                <a:pos x="connsiteX52" y="connsiteY52"/>
+              </a:cxn>
+              <a:cxn ang="0">
+                <a:pos x="connsiteX53" y="connsiteY53"/>
+              </a:cxn>
+              <a:cxn ang="0">
+                <a:pos x="connsiteX54" y="connsiteY54"/>
+              </a:cxn>
+              <a:cxn ang="0">
+                <a:pos x="connsiteX55" y="connsiteY55"/>
+              </a:cxn>
+              <a:cxn ang="0">
+                <a:pos x="connsiteX56" y="connsiteY56"/>
+              </a:cxn>
+              <a:cxn ang="0">
+                <a:pos x="connsiteX57" y="connsiteY57"/>
+              </a:cxn>
+              <a:cxn ang="0">
+                <a:pos x="connsiteX58" y="connsiteY58"/>
+              </a:cxn>
+              <a:cxn ang="0">
+                <a:pos x="connsiteX59" y="connsiteY59"/>
+              </a:cxn>
+              <a:cxn ang="0">
+                <a:pos x="connsiteX60" y="connsiteY60"/>
+              </a:cxn>
+              <a:cxn ang="0">
+                <a:pos x="connsiteX61" y="connsiteY61"/>
+              </a:cxn>
+              <a:cxn ang="0">
+                <a:pos x="connsiteX62" y="connsiteY62"/>
+              </a:cxn>
+              <a:cxn ang="0">
+                <a:pos x="connsiteX63" y="connsiteY63"/>
+              </a:cxn>
+              <a:cxn ang="0">
+                <a:pos x="connsiteX64" y="connsiteY64"/>
+              </a:cxn>
+              <a:cxn ang="0">
+                <a:pos x="connsiteX65" y="connsiteY65"/>
+              </a:cxn>
+              <a:cxn ang="0">
+                <a:pos x="connsiteX66" y="connsiteY66"/>
+              </a:cxn>
+              <a:cxn ang="0">
+                <a:pos x="connsiteX67" y="connsiteY67"/>
+              </a:cxn>
+              <a:cxn ang="0">
+                <a:pos x="connsiteX68" y="connsiteY68"/>
+              </a:cxn>
+              <a:cxn ang="0">
+                <a:pos x="connsiteX69" y="connsiteY69"/>
+              </a:cxn>
+              <a:cxn ang="0">
+                <a:pos x="connsiteX70" y="connsiteY70"/>
+              </a:cxn>
+              <a:cxn ang="0">
+                <a:pos x="connsiteX71" y="connsiteY71"/>
+              </a:cxn>
+              <a:cxn ang="0">
+                <a:pos x="connsiteX72" y="connsiteY72"/>
+              </a:cxn>
+              <a:cxn ang="0">
+                <a:pos x="connsiteX73" y="connsiteY73"/>
+              </a:cxn>
+              <a:cxn ang="0">
+                <a:pos x="connsiteX74" y="connsiteY74"/>
+              </a:cxn>
+              <a:cxn ang="0">
+                <a:pos x="connsiteX75" y="connsiteY75"/>
+              </a:cxn>
+              <a:cxn ang="0">
+                <a:pos x="connsiteX76" y="connsiteY76"/>
+              </a:cxn>
+              <a:cxn ang="0">
+                <a:pos x="connsiteX77" y="connsiteY77"/>
+              </a:cxn>
+              <a:cxn ang="0">
+                <a:pos x="connsiteX78" y="connsiteY78"/>
+              </a:cxn>
+              <a:cxn ang="0">
+                <a:pos x="connsiteX79" y="connsiteY79"/>
+              </a:cxn>
+              <a:cxn ang="0">
+                <a:pos x="connsiteX80" y="connsiteY80"/>
+              </a:cxn>
+              <a:cxn ang="0">
+                <a:pos x="connsiteX81" y="connsiteY81"/>
+              </a:cxn>
+              <a:cxn ang="0">
+                <a:pos x="connsiteX82" y="connsiteY82"/>
+              </a:cxn>
+              <a:cxn ang="0">
+                <a:pos x="connsiteX83" y="connsiteY83"/>
+              </a:cxn>
+              <a:cxn ang="0">
+                <a:pos x="connsiteX84" y="connsiteY84"/>
+              </a:cxn>
+              <a:cxn ang="0">
+                <a:pos x="connsiteX85" y="connsiteY85"/>
+              </a:cxn>
+              <a:cxn ang="0">
+                <a:pos x="connsiteX86" y="connsiteY86"/>
+              </a:cxn>
+              <a:cxn ang="0">
+                <a:pos x="connsiteX87" y="connsiteY87"/>
+              </a:cxn>
+              <a:cxn ang="0">
+                <a:pos x="connsiteX88" y="connsiteY88"/>
+              </a:cxn>
+              <a:cxn ang="0">
+                <a:pos x="connsiteX89" y="connsiteY89"/>
+              </a:cxn>
+              <a:cxn ang="0">
+                <a:pos x="connsiteX90" y="connsiteY90"/>
+              </a:cxn>
+              <a:cxn ang="0">
+                <a:pos x="connsiteX91" y="connsiteY91"/>
+              </a:cxn>
+              <a:cxn ang="0">
+                <a:pos x="connsiteX92" y="connsiteY92"/>
+              </a:cxn>
+            </a:cxnLst>
+            <a:rect l="l" t="t" r="r" b="b"/>
+            <a:pathLst>
+              <a:path w="5962785" h="6858000">
+                <a:moveTo>
+                  <a:pt x="1044839" y="0"/>
+                </a:moveTo>
+                <a:lnTo>
+                  <a:pt x="5962785" y="0"/>
+                </a:lnTo>
+                <a:lnTo>
+                  <a:pt x="5962785" y="6858000"/>
+                </a:lnTo>
+                <a:lnTo>
+                  <a:pt x="1469886" y="6858000"/>
+                </a:lnTo>
+                <a:lnTo>
+                  <a:pt x="1416006" y="6823984"/>
+                </a:lnTo>
+                <a:cubicBezTo>
+                  <a:pt x="1356767" y="6787940"/>
+                  <a:pt x="1296437" y="6755500"/>
+                  <a:pt x="1232473" y="6733873"/>
+                </a:cubicBezTo>
+                <a:cubicBezTo>
+                  <a:pt x="1145250" y="6705037"/>
+                  <a:pt x="1060933" y="6654575"/>
+                  <a:pt x="1075471" y="6503186"/>
+                </a:cubicBezTo>
+                <a:cubicBezTo>
+                  <a:pt x="1078378" y="6459932"/>
+                  <a:pt x="1055118" y="6427493"/>
+                  <a:pt x="1020229" y="6438306"/>
+                </a:cubicBezTo>
+                <a:cubicBezTo>
+                  <a:pt x="953358" y="6459932"/>
+                  <a:pt x="921375" y="6398656"/>
+                  <a:pt x="883579" y="6351798"/>
+                </a:cubicBezTo>
+                <a:cubicBezTo>
+                  <a:pt x="816707" y="6268895"/>
+                  <a:pt x="752743" y="6182387"/>
+                  <a:pt x="645167" y="6167969"/>
+                </a:cubicBezTo>
+                <a:cubicBezTo>
+                  <a:pt x="665519" y="6103088"/>
+                  <a:pt x="700408" y="6110298"/>
+                  <a:pt x="732391" y="6124716"/>
+                </a:cubicBezTo>
+                <a:cubicBezTo>
+                  <a:pt x="816707" y="6160761"/>
+                  <a:pt x="901023" y="6200410"/>
+                  <a:pt x="985339" y="6236455"/>
+                </a:cubicBezTo>
+                <a:cubicBezTo>
+                  <a:pt x="1040581" y="6258081"/>
+                  <a:pt x="1095822" y="6290522"/>
+                  <a:pt x="1168509" y="6265291"/>
+                </a:cubicBezTo>
+                <a:cubicBezTo>
+                  <a:pt x="1104545" y="6135530"/>
+                  <a:pt x="996969" y="6110298"/>
+                  <a:pt x="909746" y="6070649"/>
+                </a:cubicBezTo>
+                <a:cubicBezTo>
+                  <a:pt x="802169" y="6020185"/>
+                  <a:pt x="738206" y="5926470"/>
+                  <a:pt x="659704" y="5818335"/>
+                </a:cubicBezTo>
+                <a:cubicBezTo>
+                  <a:pt x="738206" y="5789500"/>
+                  <a:pt x="787632" y="5868798"/>
+                  <a:pt x="851597" y="5865193"/>
+                </a:cubicBezTo>
+                <a:cubicBezTo>
+                  <a:pt x="854504" y="5854380"/>
+                  <a:pt x="860319" y="5832753"/>
+                  <a:pt x="860319" y="5832753"/>
+                </a:cubicBezTo>
+                <a:cubicBezTo>
+                  <a:pt x="755650" y="5775081"/>
+                  <a:pt x="709132" y="5666947"/>
+                  <a:pt x="691686" y="5533581"/>
+                </a:cubicBezTo>
+                <a:cubicBezTo>
+                  <a:pt x="685872" y="5465095"/>
+                  <a:pt x="648075" y="5443468"/>
+                  <a:pt x="610278" y="5411029"/>
+                </a:cubicBezTo>
+                <a:cubicBezTo>
+                  <a:pt x="482350" y="5299289"/>
+                  <a:pt x="345700" y="5198364"/>
+                  <a:pt x="238123" y="5046976"/>
+                </a:cubicBezTo>
+                <a:cubicBezTo>
+                  <a:pt x="363144" y="5064998"/>
+                  <a:pt x="461997" y="5165924"/>
+                  <a:pt x="592833" y="5209177"/>
+                </a:cubicBezTo>
+                <a:cubicBezTo>
+                  <a:pt x="488165" y="5043371"/>
+                  <a:pt x="351514" y="4956864"/>
+                  <a:pt x="226494" y="4855939"/>
+                </a:cubicBezTo>
+                <a:cubicBezTo>
+                  <a:pt x="168344" y="4809081"/>
+                  <a:pt x="116011" y="4751408"/>
+                  <a:pt x="49139" y="4726177"/>
+                </a:cubicBezTo>
+                <a:cubicBezTo>
+                  <a:pt x="25879" y="4718968"/>
+                  <a:pt x="-14825" y="4700947"/>
+                  <a:pt x="5527" y="4650483"/>
+                </a:cubicBezTo>
+                <a:cubicBezTo>
+                  <a:pt x="22972" y="4607230"/>
+                  <a:pt x="54954" y="4621648"/>
+                  <a:pt x="84029" y="4632460"/>
+                </a:cubicBezTo>
+                <a:cubicBezTo>
+                  <a:pt x="153807" y="4661296"/>
+                  <a:pt x="229401" y="4661296"/>
+                  <a:pt x="325347" y="4661296"/>
+                </a:cubicBezTo>
+                <a:cubicBezTo>
+                  <a:pt x="243939" y="4524326"/>
+                  <a:pt x="95658" y="4567580"/>
+                  <a:pt x="25879" y="4423401"/>
+                </a:cubicBezTo>
+                <a:cubicBezTo>
+                  <a:pt x="113103" y="4398170"/>
+                  <a:pt x="179975" y="4448632"/>
+                  <a:pt x="249753" y="4459446"/>
+                </a:cubicBezTo>
+                <a:cubicBezTo>
+                  <a:pt x="313718" y="4470259"/>
+                  <a:pt x="328254" y="4445028"/>
+                  <a:pt x="313718" y="4365729"/>
+                </a:cubicBezTo>
+                <a:cubicBezTo>
+                  <a:pt x="290458" y="4243177"/>
+                  <a:pt x="325347" y="4181900"/>
+                  <a:pt x="418386" y="4214341"/>
+                </a:cubicBezTo>
+                <a:cubicBezTo>
+                  <a:pt x="505609" y="4246781"/>
+                  <a:pt x="514332" y="4199922"/>
+                  <a:pt x="491072" y="4131438"/>
+                </a:cubicBezTo>
+                <a:cubicBezTo>
+                  <a:pt x="456183" y="4030512"/>
+                  <a:pt x="493979" y="3951214"/>
+                  <a:pt x="520147" y="3864706"/>
+                </a:cubicBezTo>
+                <a:cubicBezTo>
+                  <a:pt x="560851" y="3734945"/>
+                  <a:pt x="543407" y="3670064"/>
+                  <a:pt x="459090" y="3572743"/>
+                </a:cubicBezTo>
+                <a:cubicBezTo>
+                  <a:pt x="409664" y="3518676"/>
+                  <a:pt x="360236" y="3471818"/>
+                  <a:pt x="290458" y="3424959"/>
+                </a:cubicBezTo>
+                <a:cubicBezTo>
+                  <a:pt x="450368" y="3399728"/>
+                  <a:pt x="284643" y="3313221"/>
+                  <a:pt x="339884" y="3259153"/>
+                </a:cubicBezTo>
+                <a:cubicBezTo>
+                  <a:pt x="453275" y="3237527"/>
+                  <a:pt x="543407" y="3410542"/>
+                  <a:pt x="697501" y="3360078"/>
+                </a:cubicBezTo>
+                <a:cubicBezTo>
+                  <a:pt x="511425" y="3212294"/>
+                  <a:pt x="302087" y="3165436"/>
+                  <a:pt x="165437" y="2967190"/>
+                </a:cubicBezTo>
+                <a:cubicBezTo>
+                  <a:pt x="197419" y="2923937"/>
+                  <a:pt x="229401" y="2967190"/>
+                  <a:pt x="255568" y="2949167"/>
+                </a:cubicBezTo>
+                <a:cubicBezTo>
+                  <a:pt x="255568" y="2938354"/>
+                  <a:pt x="560851" y="3006840"/>
+                  <a:pt x="578296" y="2725691"/>
+                </a:cubicBezTo>
+                <a:cubicBezTo>
+                  <a:pt x="584111" y="2725691"/>
+                  <a:pt x="589926" y="2725691"/>
+                  <a:pt x="595740" y="2714876"/>
+                </a:cubicBezTo>
+                <a:cubicBezTo>
+                  <a:pt x="627722" y="2675228"/>
+                  <a:pt x="598648" y="2581510"/>
+                  <a:pt x="650982" y="2574301"/>
+                </a:cubicBezTo>
+                <a:cubicBezTo>
+                  <a:pt x="709132" y="2567092"/>
+                  <a:pt x="764373" y="2534653"/>
+                  <a:pt x="825429" y="2552674"/>
+                </a:cubicBezTo>
+                <a:cubicBezTo>
+                  <a:pt x="871949" y="2567092"/>
+                  <a:pt x="921375" y="2585115"/>
+                  <a:pt x="970802" y="2585115"/>
+                </a:cubicBezTo>
+                <a:cubicBezTo>
+                  <a:pt x="1023136" y="2585115"/>
+                  <a:pt x="1095822" y="2707668"/>
+                  <a:pt x="1127805" y="2545465"/>
+                </a:cubicBezTo>
+                <a:cubicBezTo>
+                  <a:pt x="1127805" y="2538257"/>
+                  <a:pt x="1217936" y="2556280"/>
+                  <a:pt x="1267362" y="2563488"/>
+                </a:cubicBezTo>
+                <a:cubicBezTo>
+                  <a:pt x="1308067" y="2570698"/>
+                  <a:pt x="1357494" y="2603137"/>
+                  <a:pt x="1386568" y="2538257"/>
+                </a:cubicBezTo>
+                <a:cubicBezTo>
+                  <a:pt x="1401105" y="2498607"/>
+                  <a:pt x="1331326" y="2426518"/>
+                  <a:pt x="1270270" y="2419309"/>
+                </a:cubicBezTo>
+                <a:cubicBezTo>
+                  <a:pt x="1215029" y="2412101"/>
+                  <a:pt x="1159787" y="2404892"/>
+                  <a:pt x="1107453" y="2419309"/>
+                </a:cubicBezTo>
+                <a:cubicBezTo>
+                  <a:pt x="1043489" y="2437331"/>
+                  <a:pt x="1008599" y="2408495"/>
+                  <a:pt x="991154" y="2343615"/>
+                </a:cubicBezTo>
+                <a:cubicBezTo>
+                  <a:pt x="970802" y="2275131"/>
+                  <a:pt x="933005" y="2239085"/>
+                  <a:pt x="880671" y="2206645"/>
+                </a:cubicBezTo>
+                <a:cubicBezTo>
+                  <a:pt x="752743" y="2127346"/>
+                  <a:pt x="630630" y="2033629"/>
+                  <a:pt x="491072" y="1986771"/>
+                </a:cubicBezTo>
+                <a:cubicBezTo>
+                  <a:pt x="464905" y="1979562"/>
+                  <a:pt x="432923" y="1965145"/>
+                  <a:pt x="421293" y="1903868"/>
+                </a:cubicBezTo>
+                <a:cubicBezTo>
+                  <a:pt x="799262" y="1997584"/>
+                  <a:pt x="1142342" y="2239085"/>
+                  <a:pt x="1531941" y="2224667"/>
+                </a:cubicBezTo>
+                <a:cubicBezTo>
+                  <a:pt x="1427272" y="2148974"/>
+                  <a:pt x="1302252" y="2145369"/>
+                  <a:pt x="1188861" y="2091301"/>
+                </a:cubicBezTo>
+                <a:cubicBezTo>
+                  <a:pt x="1270270" y="2051652"/>
+                  <a:pt x="1345864" y="2094906"/>
+                  <a:pt x="1421458" y="2116532"/>
+                </a:cubicBezTo>
+                <a:cubicBezTo>
+                  <a:pt x="1485422" y="2134554"/>
+                  <a:pt x="1543571" y="2138160"/>
+                  <a:pt x="1549386" y="2026420"/>
+                </a:cubicBezTo>
+                <a:cubicBezTo>
+                  <a:pt x="1549386" y="2015607"/>
+                  <a:pt x="1549386" y="2008398"/>
+                  <a:pt x="1549386" y="1997584"/>
+                </a:cubicBezTo>
+                <a:cubicBezTo>
+                  <a:pt x="1526126" y="1950727"/>
+                  <a:pt x="1494144" y="1929099"/>
+                  <a:pt x="1453440" y="1914682"/>
+                </a:cubicBezTo>
+                <a:cubicBezTo>
+                  <a:pt x="1430180" y="1907473"/>
+                  <a:pt x="1398198" y="1893056"/>
+                  <a:pt x="1398198" y="1860614"/>
+                </a:cubicBezTo>
+                <a:cubicBezTo>
+                  <a:pt x="1401105" y="1738063"/>
+                  <a:pt x="1322604" y="1702018"/>
+                  <a:pt x="1247011" y="1665972"/>
+                </a:cubicBezTo>
+                <a:cubicBezTo>
+                  <a:pt x="1287715" y="1604696"/>
+                  <a:pt x="1322604" y="1647950"/>
+                  <a:pt x="1354586" y="1644345"/>
+                </a:cubicBezTo>
+                <a:cubicBezTo>
+                  <a:pt x="1374939" y="1640741"/>
+                  <a:pt x="1395290" y="1637138"/>
+                  <a:pt x="1395290" y="1604696"/>
+                </a:cubicBezTo>
+                <a:cubicBezTo>
+                  <a:pt x="1395290" y="1579465"/>
+                  <a:pt x="1386568" y="1547025"/>
+                  <a:pt x="1366216" y="1547025"/>
+                </a:cubicBezTo>
+                <a:cubicBezTo>
+                  <a:pt x="1238288" y="1543420"/>
+                  <a:pt x="1165601" y="1370405"/>
+                  <a:pt x="1031858" y="1370405"/>
+                </a:cubicBezTo>
+                <a:cubicBezTo>
+                  <a:pt x="950450" y="1370405"/>
+                  <a:pt x="1072563" y="1273083"/>
+                  <a:pt x="1005692" y="1233435"/>
+                </a:cubicBezTo>
+                <a:cubicBezTo>
+                  <a:pt x="991154" y="1222621"/>
+                  <a:pt x="1046396" y="1208203"/>
+                  <a:pt x="1069655" y="1211808"/>
+                </a:cubicBezTo>
+                <a:cubicBezTo>
+                  <a:pt x="1092915" y="1215412"/>
+                  <a:pt x="1113268" y="1240644"/>
+                  <a:pt x="1142342" y="1222621"/>
+                </a:cubicBezTo>
+                <a:cubicBezTo>
+                  <a:pt x="1156879" y="1157741"/>
+                  <a:pt x="1119082" y="1132510"/>
+                  <a:pt x="1084193" y="1114487"/>
+                </a:cubicBezTo>
+                <a:cubicBezTo>
+                  <a:pt x="1008599" y="1071234"/>
+                  <a:pt x="933005" y="1020771"/>
+                  <a:pt x="848689" y="1006353"/>
+                </a:cubicBezTo>
+                <a:cubicBezTo>
+                  <a:pt x="819615" y="1002748"/>
+                  <a:pt x="802169" y="984726"/>
+                  <a:pt x="805077" y="948681"/>
+                </a:cubicBezTo>
+                <a:cubicBezTo>
+                  <a:pt x="810892" y="901822"/>
+                  <a:pt x="839967" y="916240"/>
+                  <a:pt x="863226" y="919844"/>
+                </a:cubicBezTo>
+                <a:cubicBezTo>
+                  <a:pt x="877764" y="923450"/>
+                  <a:pt x="892301" y="934263"/>
+                  <a:pt x="906838" y="909031"/>
+                </a:cubicBezTo>
+                <a:cubicBezTo>
+                  <a:pt x="566666" y="653113"/>
+                  <a:pt x="386404" y="667532"/>
+                  <a:pt x="5527" y="458471"/>
+                </a:cubicBezTo>
+                <a:cubicBezTo>
+                  <a:pt x="89843" y="418822"/>
+                  <a:pt x="150900" y="447658"/>
+                  <a:pt x="209049" y="454867"/>
+                </a:cubicBezTo>
+                <a:cubicBezTo>
+                  <a:pt x="354422" y="472890"/>
+                  <a:pt x="264290" y="505329"/>
+                  <a:pt x="409664" y="526956"/>
+                </a:cubicBezTo>
+                <a:cubicBezTo>
+                  <a:pt x="479443" y="537770"/>
+                  <a:pt x="543407" y="573815"/>
+                  <a:pt x="621908" y="516143"/>
+                </a:cubicBezTo>
+                <a:cubicBezTo>
+                  <a:pt x="674242" y="476494"/>
+                  <a:pt x="758558" y="519747"/>
+                  <a:pt x="822522" y="552188"/>
+                </a:cubicBezTo>
+                <a:cubicBezTo>
+                  <a:pt x="874856" y="581024"/>
+                  <a:pt x="927190" y="588232"/>
+                  <a:pt x="996969" y="552188"/>
+                </a:cubicBezTo>
+                <a:cubicBezTo>
+                  <a:pt x="933005" y="530562"/>
+                  <a:pt x="883579" y="512539"/>
+                  <a:pt x="834151" y="498120"/>
+                </a:cubicBezTo>
+                <a:cubicBezTo>
+                  <a:pt x="793447" y="487307"/>
+                  <a:pt x="770187" y="462076"/>
+                  <a:pt x="773095" y="408008"/>
+                </a:cubicBezTo>
+                <a:cubicBezTo>
+                  <a:pt x="773095" y="379172"/>
+                  <a:pt x="764373" y="339523"/>
+                  <a:pt x="793447" y="325106"/>
+                </a:cubicBezTo>
+                <a:cubicBezTo>
+                  <a:pt x="816707" y="310688"/>
+                  <a:pt x="848689" y="325106"/>
+                  <a:pt x="860319" y="350336"/>
+                </a:cubicBezTo>
+                <a:cubicBezTo>
+                  <a:pt x="874856" y="397195"/>
+                  <a:pt x="889393" y="440449"/>
+                  <a:pt x="938820" y="444054"/>
+                </a:cubicBezTo>
+                <a:cubicBezTo>
+                  <a:pt x="1005692" y="451262"/>
+                  <a:pt x="967894" y="422426"/>
+                  <a:pt x="956265" y="386381"/>
+                </a:cubicBezTo>
+                <a:cubicBezTo>
+                  <a:pt x="944635" y="346733"/>
+                  <a:pt x="979525" y="335919"/>
+                  <a:pt x="1002784" y="343127"/>
+                </a:cubicBezTo>
+                <a:cubicBezTo>
+                  <a:pt x="1090008" y="375569"/>
+                  <a:pt x="1180139" y="317897"/>
+                  <a:pt x="1270270" y="364755"/>
+                </a:cubicBezTo>
+                <a:cubicBezTo>
+                  <a:pt x="1247011" y="249411"/>
+                  <a:pt x="1197583" y="198949"/>
+                  <a:pt x="1092915" y="180926"/>
+                </a:cubicBezTo>
+                <a:cubicBezTo>
+                  <a:pt x="1055118" y="177322"/>
+                  <a:pt x="1014414" y="184530"/>
+                  <a:pt x="979525" y="152090"/>
+                </a:cubicBezTo>
+                <a:cubicBezTo>
+                  <a:pt x="959172" y="134068"/>
+                  <a:pt x="938820" y="112441"/>
+                  <a:pt x="953358" y="76396"/>
+                </a:cubicBezTo>
+                <a:cubicBezTo>
+                  <a:pt x="962080" y="51165"/>
+                  <a:pt x="985339" y="51165"/>
+                  <a:pt x="1005692" y="58373"/>
+                </a:cubicBezTo>
+                <a:cubicBezTo>
+                  <a:pt x="1090008" y="98023"/>
+                  <a:pt x="1180139" y="108837"/>
+                  <a:pt x="1267362" y="123254"/>
+                </a:cubicBezTo>
+                <a:cubicBezTo>
+                  <a:pt x="1281900" y="126859"/>
+                  <a:pt x="1296437" y="134068"/>
+                  <a:pt x="1310975" y="98023"/>
+                </a:cubicBezTo>
+                <a:cubicBezTo>
+                  <a:pt x="1260095" y="81803"/>
+                  <a:pt x="1209941" y="62879"/>
+                  <a:pt x="1159787" y="43505"/>
+                </a:cubicBezTo>
+                <a:close/>
+              </a:path>
+            </a:pathLst>
+          </a:custGeom>
+          <a:solidFill>
+            <a:schemeClr val="bg2">
+              <a:alpha val="50000"/>
+            </a:schemeClr>
+          </a:solidFill>
+          <a:ln w="32707" cap="flat">
+            <a:noFill/>
+            <a:prstDash val="solid"/>
+            <a:miter/>
+          </a:ln>
+        </p:spPr>
+        <p:txBody>
+          <a:bodyPr wrap="square" rtlCol="0" anchor="ctr">
+            <a:noAutofit/>
+          </a:bodyPr>
+          <a:lstStyle/>
+          <a:p>
+            <a:pPr algn="ctr"/>
+            <a:endParaRPr lang="en-US"/>
+          </a:p>
+        </p:txBody>
+      </p:sp>
+      <p:sp>
+        <p:nvSpPr>
+          <p:cNvPr id="2" name="Title 1">
+            <a:extLst>
+              <a:ext uri="{FF2B5EF4-FFF2-40B4-BE49-F238E27FC236}">
+                <a16:creationId xmlns:a16="http://schemas.microsoft.com/office/drawing/2014/main" id="{60A96E7B-81C8-E866-3C08-0096B2CDF6EF}"/>
+              </a:ext>
+            </a:extLst>
+          </p:cNvPr>
+          <p:cNvSpPr>
+            <a:spLocks noGrp="1"/>
+          </p:cNvSpPr>
+          <p:nvPr>
+            <p:ph type="title"/>
+          </p:nvPr>
+        </p:nvSpPr>
+        <p:spPr>
+          <a:xfrm>
+            <a:off x="643468" y="643467"/>
+            <a:ext cx="4620584" cy="4567137"/>
+          </a:xfrm>
+        </p:spPr>
+        <p:txBody>
+          <a:bodyPr vert="horz" lIns="91440" tIns="45720" rIns="91440" bIns="45720" rtlCol="0" anchor="b">
+            <a:normAutofit/>
+          </a:bodyPr>
+          <a:lstStyle/>
+          <a:p>
+            <a:r>
+              <a:rPr lang="en-US" sz="4400" kern="1200" dirty="0">
+                <a:solidFill>
+                  <a:schemeClr val="tx1"/>
+                </a:solidFill>
+                <a:latin typeface="+mj-lt"/>
+                <a:ea typeface="+mj-ea"/>
+                <a:cs typeface="+mj-cs"/>
+              </a:rPr>
+              <a:t>Let’s generalize it</a:t>
+            </a:r>
+          </a:p>
+        </p:txBody>
+      </p:sp>
+      <p:sp>
+        <p:nvSpPr>
+          <p:cNvPr id="3" name="Text Placeholder 2">
+            <a:extLst>
+              <a:ext uri="{FF2B5EF4-FFF2-40B4-BE49-F238E27FC236}">
+                <a16:creationId xmlns:a16="http://schemas.microsoft.com/office/drawing/2014/main" id="{6A35E9BD-7BE3-ACCA-EC07-2FD9409F4BA4}"/>
+              </a:ext>
+            </a:extLst>
+          </p:cNvPr>
+          <p:cNvSpPr>
+            <a:spLocks noGrp="1"/>
+          </p:cNvSpPr>
+          <p:nvPr>
+            <p:ph type="body" idx="1"/>
+          </p:nvPr>
+        </p:nvSpPr>
+        <p:spPr>
+          <a:xfrm>
+            <a:off x="643467" y="5277684"/>
+            <a:ext cx="4620584" cy="775494"/>
+          </a:xfrm>
+        </p:spPr>
+        <p:txBody>
+          <a:bodyPr vert="horz" lIns="91440" tIns="45720" rIns="91440" bIns="45720" rtlCol="0">
+            <a:normAutofit/>
+          </a:bodyPr>
+          <a:lstStyle/>
+          <a:p>
+            <a:r>
+              <a:rPr lang="en-US" kern="1200" dirty="0">
+                <a:solidFill>
+                  <a:schemeClr val="tx1"/>
+                </a:solidFill>
+                <a:latin typeface="+mn-lt"/>
+                <a:ea typeface="+mn-ea"/>
+                <a:cs typeface="+mn-cs"/>
+              </a:rPr>
+              <a:t>With YAML</a:t>
+            </a:r>
+          </a:p>
+        </p:txBody>
+      </p:sp>
+    </p:spTree>
+    <p:extLst>
+      <p:ext uri="{BB962C8B-B14F-4D97-AF65-F5344CB8AC3E}">
+        <p14:creationId xmlns:p14="http://schemas.microsoft.com/office/powerpoint/2010/main" val="1842341382"/>
+      </p:ext>
+    </p:extLst>
+  </p:cSld>
+  <p:clrMapOvr>
+    <a:masterClrMapping/>
+  </p:clrMapOvr>
+</p:sld>
+</file>
+
+<file path=ppt/slides/slide13.xml><?xml version="1.0" encoding="utf-8"?>
+<p:sld xmlns:a="http://schemas.openxmlformats.org/drawingml/2006/main" xmlns:r="http://schemas.openxmlformats.org/officeDocument/2006/relationships" xmlns:p="http://schemas.openxmlformats.org/presentationml/2006/main">
+  <p:cSld>
+    <p:spTree>
+      <p:nvGrpSpPr>
+        <p:cNvPr id="1" name=""/>
+        <p:cNvGrpSpPr/>
+        <p:nvPr/>
+      </p:nvGrpSpPr>
+      <p:grpSpPr>
+        <a:xfrm>
+          <a:off x="0" y="0"/>
+          <a:ext cx="0" cy="0"/>
+          <a:chOff x="0" y="0"/>
+          <a:chExt cx="0" cy="0"/>
+        </a:xfrm>
+      </p:grpSpPr>
+      <p:sp>
+        <p:nvSpPr>
+          <p:cNvPr id="2" name="Title 1">
+            <a:extLst>
+              <a:ext uri="{FF2B5EF4-FFF2-40B4-BE49-F238E27FC236}">
                 <a16:creationId xmlns:a16="http://schemas.microsoft.com/office/drawing/2014/main" id="{90D78E38-7306-5E83-9682-6B463B8B21E8}"/>
               </a:ext>
             </a:extLst>
@@ -5233,7 +6664,7 @@
 </p:sld>
 </file>
 
-<file path=ppt/slides/slide12.xml><?xml version="1.0" encoding="utf-8"?>
+<file path=ppt/slides/slide14.xml><?xml version="1.0" encoding="utf-8"?>
 <p:sld xmlns:a="http://schemas.openxmlformats.org/drawingml/2006/main" xmlns:r="http://schemas.openxmlformats.org/officeDocument/2006/relationships" xmlns:p="http://schemas.openxmlformats.org/presentationml/2006/main">
   <p:cSld>
     <p:spTree>
@@ -5571,7 +7002,7 @@
 </p:sld>
 </file>
 
-<file path=ppt/slides/slide13.xml><?xml version="1.0" encoding="utf-8"?>
+<file path=ppt/slides/slide15.xml><?xml version="1.0" encoding="utf-8"?>
 <p:sld xmlns:a="http://schemas.openxmlformats.org/drawingml/2006/main" xmlns:r="http://schemas.openxmlformats.org/officeDocument/2006/relationships" xmlns:p="http://schemas.openxmlformats.org/presentationml/2006/main">
   <p:cSld>
     <p:spTree>
@@ -5884,7 +7315,7 @@
 </p:sld>
 </file>
 
-<file path=ppt/slides/slide14.xml><?xml version="1.0" encoding="utf-8"?>
+<file path=ppt/slides/slide16.xml><?xml version="1.0" encoding="utf-8"?>
 <p:sld xmlns:a="http://schemas.openxmlformats.org/drawingml/2006/main" xmlns:r="http://schemas.openxmlformats.org/officeDocument/2006/relationships" xmlns:p="http://schemas.openxmlformats.org/presentationml/2006/main">
   <p:cSld>
     <p:spTree>
@@ -5973,6 +7404,28 @@
               <a:rPr lang="it-IT" dirty="0"/>
               <a:t>Eventually introduce tools when your process is mature</a:t>
             </a:r>
+          </a:p>
+          <a:p>
+            <a:pPr lvl="1"/>
+            <a:r>
+              <a:rPr lang="it-IT" dirty="0"/>
+              <a:t>HELM</a:t>
+            </a:r>
+          </a:p>
+          <a:p>
+            <a:pPr lvl="1"/>
+            <a:r>
+              <a:rPr lang="it-IT" dirty="0"/>
+              <a:t>Kustomize</a:t>
+            </a:r>
+          </a:p>
+          <a:p>
+            <a:pPr lvl="1"/>
+            <a:r>
+              <a:rPr lang="it-IT"/>
+              <a:t>Flux | ArgoCD</a:t>
+            </a:r>
+            <a:endParaRPr lang="it-IT" dirty="0"/>
           </a:p>
         </p:txBody>
       </p:sp>
@@ -6202,6 +7655,153 @@
                       </p:childTnLst>
                     </p:cTn>
                   </p:par>
+                  <p:par>
+                    <p:cTn id="20" fill="hold">
+                      <p:stCondLst>
+                        <p:cond delay="indefinite"/>
+                      </p:stCondLst>
+                      <p:childTnLst>
+                        <p:par>
+                          <p:cTn id="21" fill="hold">
+                            <p:stCondLst>
+                              <p:cond delay="0"/>
+                            </p:stCondLst>
+                            <p:childTnLst>
+                              <p:par>
+                                <p:cTn id="22" presetID="1" presetClass="entr" presetSubtype="0" fill="hold" nodeType="clickEffect">
+                                  <p:stCondLst>
+                                    <p:cond delay="0"/>
+                                  </p:stCondLst>
+                                  <p:childTnLst>
+                                    <p:set>
+                                      <p:cBhvr>
+                                        <p:cTn id="23" dur="1" fill="hold">
+                                          <p:stCondLst>
+                                            <p:cond delay="0"/>
+                                          </p:stCondLst>
+                                        </p:cTn>
+                                        <p:tgtEl>
+                                          <p:spTgt spid="3">
+                                            <p:txEl>
+                                              <p:pRg st="4" end="4"/>
+                                            </p:txEl>
+                                          </p:spTgt>
+                                        </p:tgtEl>
+                                        <p:attrNameLst>
+                                          <p:attrName>style.visibility</p:attrName>
+                                        </p:attrNameLst>
+                                      </p:cBhvr>
+                                      <p:to>
+                                        <p:strVal val="visible"/>
+                                      </p:to>
+                                    </p:set>
+                                  </p:childTnLst>
+                                </p:cTn>
+                              </p:par>
+                            </p:childTnLst>
+                          </p:cTn>
+                        </p:par>
+                      </p:childTnLst>
+                    </p:cTn>
+                  </p:par>
+                  <p:par>
+                    <p:cTn id="24" fill="hold">
+                      <p:stCondLst>
+                        <p:cond delay="indefinite"/>
+                      </p:stCondLst>
+                      <p:childTnLst>
+                        <p:par>
+                          <p:cTn id="25" fill="hold">
+                            <p:stCondLst>
+                              <p:cond delay="0"/>
+                            </p:stCondLst>
+                            <p:childTnLst>
+                              <p:par>
+                                <p:cTn id="26" presetID="1" presetClass="entr" presetSubtype="0" fill="hold" nodeType="clickEffect">
+                                  <p:stCondLst>
+                                    <p:cond delay="0"/>
+                                  </p:stCondLst>
+                                  <p:childTnLst>
+                                    <p:set>
+                                      <p:cBhvr>
+                                        <p:cTn id="27" dur="1" fill="hold">
+                                          <p:stCondLst>
+                                            <p:cond delay="0"/>
+                                          </p:stCondLst>
+                                        </p:cTn>
+                                        <p:tgtEl>
+                                          <p:spTgt spid="3">
+                                            <p:txEl>
+                                              <p:pRg st="5" end="5"/>
+                                            </p:txEl>
+                                          </p:spTgt>
+                                        </p:tgtEl>
+                                        <p:attrNameLst>
+                                          <p:attrName>style.visibility</p:attrName>
+                                        </p:attrNameLst>
+                                      </p:cBhvr>
+                                      <p:to>
+                                        <p:strVal val="visible"/>
+                                      </p:to>
+                                    </p:set>
+                                  </p:childTnLst>
+                                </p:cTn>
+                              </p:par>
+                            </p:childTnLst>
+                          </p:cTn>
+                        </p:par>
+                      </p:childTnLst>
+                    </p:cTn>
+                  </p:par>
+                  <p:par>
+                    <p:cTn id="28" fill="hold">
+                      <p:stCondLst>
+                        <p:cond delay="indefinite"/>
+                      </p:stCondLst>
+                      <p:childTnLst>
+                        <p:par>
+                          <p:cTn id="29" fill="hold">
+                            <p:stCondLst>
+                              <p:cond delay="0"/>
+                            </p:stCondLst>
+                            <p:childTnLst>
+                              <p:par>
+                                <p:cTn id="30" presetID="1" presetClass="entr" presetSubtype="0" fill="hold" nodeType="clickEffect">
+                                  <p:stCondLst>
+                                    <p:cond delay="0"/>
+                                  </p:stCondLst>
+                                  <p:childTnLst>
+                                    <p:set>
+                                      <p:cBhvr>
+                                        <p:cTn id="31" dur="1" fill="hold">
+                                          <p:stCondLst>
+                                            <p:cond delay="0"/>
+                                          </p:stCondLst>
+                                        </p:cTn>
+                                        <p:tgtEl>
+                                          <p:spTgt spid="3">
+                                            <p:txEl>
+                                              <p:pRg st="6" end="6"/>
+                                            </p:txEl>
+                                          </p:spTgt>
+                                        </p:tgtEl>
+                                        <p:attrNameLst>
+                                          <p:attrName>style.visibility</p:attrName>
+                                        </p:attrNameLst>
+                                      </p:cBhvr>
+                                      <p:to>
+                                        <p:strVal val="visible"/>
+                                      </p:to>
+                                    </p:set>
+                                  </p:childTnLst>
+                                </p:cTn>
+                              </p:par>
+                            </p:childTnLst>
+                          </p:cTn>
+                        </p:par>
+                      </p:childTnLst>
+                    </p:cTn>
+                  </p:par>
                 </p:childTnLst>
               </p:cTn>
               <p:prevCondLst>
@@ -6227,7 +7827,7 @@
 </p:sld>
 </file>
 
-<file path=ppt/slides/slide15.xml><?xml version="1.0" encoding="utf-8"?>
+<file path=ppt/slides/slide17.xml><?xml version="1.0" encoding="utf-8"?>
 <p:sld xmlns:a="http://schemas.openxmlformats.org/drawingml/2006/main" xmlns:r="http://schemas.openxmlformats.org/officeDocument/2006/relationships" xmlns:p="http://schemas.openxmlformats.org/presentationml/2006/main">
   <p:cSld>
     <p:spTree>
@@ -7401,6 +9001,57 @@
           </p:txBody>
         </p:sp>
       </p:grpSp>
+      <mc:AlternateContent xmlns:mc="http://schemas.openxmlformats.org/markup-compatibility/2006">
+        <mc:Choice xmlns:p14="http://schemas.microsoft.com/office/powerpoint/2010/main" Requires="p14">
+          <p:contentPart p14:bwMode="auto" r:id="rId3">
+            <p14:nvContentPartPr>
+              <p14:cNvPr id="4" name="Ink 3">
+                <a:extLst>
+                  <a:ext uri="{FF2B5EF4-FFF2-40B4-BE49-F238E27FC236}">
+                    <a16:creationId xmlns:a16="http://schemas.microsoft.com/office/drawing/2014/main" id="{D7541AC9-36B2-6320-47FB-FA971559ABE4}"/>
+                  </a:ext>
+                </a:extLst>
+              </p14:cNvPr>
+              <p14:cNvContentPartPr/>
+              <p14:nvPr/>
+            </p14:nvContentPartPr>
+            <p14:xfrm>
+              <a:off x="6256777" y="3459565"/>
+              <a:ext cx="4685040" cy="276120"/>
+            </p14:xfrm>
+          </p:contentPart>
+        </mc:Choice>
+        <mc:Fallback>
+          <p:pic>
+            <p:nvPicPr>
+              <p:cNvPr id="4" name="Ink 3">
+                <a:extLst>
+                  <a:ext uri="{FF2B5EF4-FFF2-40B4-BE49-F238E27FC236}">
+                    <a16:creationId xmlns:a16="http://schemas.microsoft.com/office/drawing/2014/main" id="{D7541AC9-36B2-6320-47FB-FA971559ABE4}"/>
+                  </a:ext>
+                </a:extLst>
+              </p:cNvPr>
+              <p:cNvPicPr/>
+              <p:nvPr/>
+            </p:nvPicPr>
+            <p:blipFill>
+              <a:blip r:embed="rId4"/>
+              <a:stretch>
+                <a:fillRect/>
+              </a:stretch>
+            </p:blipFill>
+            <p:spPr>
+              <a:xfrm>
+                <a:off x="6203137" y="3351565"/>
+                <a:ext cx="4792680" cy="491760"/>
+              </a:xfrm>
+              <a:prstGeom prst="rect">
+                <a:avLst/>
+              </a:prstGeom>
+            </p:spPr>
+          </p:pic>
+        </mc:Fallback>
+      </mc:AlternateContent>
     </p:spTree>
     <p:extLst>
       <p:ext uri="{BB962C8B-B14F-4D97-AF65-F5344CB8AC3E}">
@@ -7726,6 +9377,108 @@
           </p:txBody>
         </p:sp>
       </p:grpSp>
+      <mc:AlternateContent xmlns:mc="http://schemas.openxmlformats.org/markup-compatibility/2006">
+        <mc:Choice xmlns:p14="http://schemas.microsoft.com/office/powerpoint/2010/main" Requires="p14">
+          <p:contentPart p14:bwMode="auto" r:id="rId3">
+            <p14:nvContentPartPr>
+              <p14:cNvPr id="4" name="Ink 3">
+                <a:extLst>
+                  <a:ext uri="{FF2B5EF4-FFF2-40B4-BE49-F238E27FC236}">
+                    <a16:creationId xmlns:a16="http://schemas.microsoft.com/office/drawing/2014/main" id="{88EF6B89-7946-A0C0-B4BA-143BB79449AF}"/>
+                  </a:ext>
+                </a:extLst>
+              </p14:cNvPr>
+              <p14:cNvContentPartPr/>
+              <p14:nvPr/>
+            </p14:nvContentPartPr>
+            <p14:xfrm>
+              <a:off x="6661417" y="2801845"/>
+              <a:ext cx="4262760" cy="415800"/>
+            </p14:xfrm>
+          </p:contentPart>
+        </mc:Choice>
+        <mc:Fallback>
+          <p:pic>
+            <p:nvPicPr>
+              <p:cNvPr id="4" name="Ink 3">
+                <a:extLst>
+                  <a:ext uri="{FF2B5EF4-FFF2-40B4-BE49-F238E27FC236}">
+                    <a16:creationId xmlns:a16="http://schemas.microsoft.com/office/drawing/2014/main" id="{88EF6B89-7946-A0C0-B4BA-143BB79449AF}"/>
+                  </a:ext>
+                </a:extLst>
+              </p:cNvPr>
+              <p:cNvPicPr/>
+              <p:nvPr/>
+            </p:nvPicPr>
+            <p:blipFill>
+              <a:blip r:embed="rId4"/>
+              <a:stretch>
+                <a:fillRect/>
+              </a:stretch>
+            </p:blipFill>
+            <p:spPr>
+              <a:xfrm>
+                <a:off x="6607417" y="2693845"/>
+                <a:ext cx="4370400" cy="631440"/>
+              </a:xfrm>
+              <a:prstGeom prst="rect">
+                <a:avLst/>
+              </a:prstGeom>
+            </p:spPr>
+          </p:pic>
+        </mc:Fallback>
+      </mc:AlternateContent>
+      <mc:AlternateContent xmlns:mc="http://schemas.openxmlformats.org/markup-compatibility/2006">
+        <mc:Choice xmlns:p14="http://schemas.microsoft.com/office/powerpoint/2010/main" Requires="p14">
+          <p:contentPart p14:bwMode="auto" r:id="rId5">
+            <p14:nvContentPartPr>
+              <p14:cNvPr id="5" name="Ink 4">
+                <a:extLst>
+                  <a:ext uri="{FF2B5EF4-FFF2-40B4-BE49-F238E27FC236}">
+                    <a16:creationId xmlns:a16="http://schemas.microsoft.com/office/drawing/2014/main" id="{7ED5E90D-ED7B-2487-CE27-8EE5444252CE}"/>
+                  </a:ext>
+                </a:extLst>
+              </p14:cNvPr>
+              <p14:cNvContentPartPr/>
+              <p14:nvPr/>
+            </p14:nvContentPartPr>
+            <p14:xfrm>
+              <a:off x="7393657" y="2874565"/>
+              <a:ext cx="1514520" cy="55800"/>
+            </p14:xfrm>
+          </p:contentPart>
+        </mc:Choice>
+        <mc:Fallback>
+          <p:pic>
+            <p:nvPicPr>
+              <p:cNvPr id="5" name="Ink 4">
+                <a:extLst>
+                  <a:ext uri="{FF2B5EF4-FFF2-40B4-BE49-F238E27FC236}">
+                    <a16:creationId xmlns:a16="http://schemas.microsoft.com/office/drawing/2014/main" id="{7ED5E90D-ED7B-2487-CE27-8EE5444252CE}"/>
+                  </a:ext>
+                </a:extLst>
+              </p:cNvPr>
+              <p:cNvPicPr/>
+              <p:nvPr/>
+            </p:nvPicPr>
+            <p:blipFill>
+              <a:blip r:embed="rId6"/>
+              <a:stretch>
+                <a:fillRect/>
+              </a:stretch>
+            </p:blipFill>
+            <p:spPr>
+              <a:xfrm>
+                <a:off x="7339657" y="2766925"/>
+                <a:ext cx="1622160" cy="271440"/>
+              </a:xfrm>
+              <a:prstGeom prst="rect">
+                <a:avLst/>
+              </a:prstGeom>
+            </p:spPr>
+          </p:pic>
+        </mc:Fallback>
+      </mc:AlternateContent>
     </p:spTree>
     <p:extLst>
       <p:ext uri="{BB962C8B-B14F-4D97-AF65-F5344CB8AC3E}">
@@ -7913,14 +9666,6 @@
 <file path=ppt/slides/slide8.xml><?xml version="1.0" encoding="utf-8"?>
 <p:sld xmlns:a="http://schemas.openxmlformats.org/drawingml/2006/main" xmlns:r="http://schemas.openxmlformats.org/officeDocument/2006/relationships" xmlns:p="http://schemas.openxmlformats.org/presentationml/2006/main">
   <p:cSld>
-    <p:bg>
-      <p:bgPr>
-        <a:solidFill>
-          <a:schemeClr val="bg1"/>
-        </a:solidFill>
-        <a:effectLst/>
-      </p:bgPr>
-    </p:bg>
     <p:spTree>
       <p:nvGrpSpPr>
         <p:cNvPr id="1" name=""/>
@@ -7935,1056 +9680,12 @@
           <a:chExt cx="0" cy="0"/>
         </a:xfrm>
       </p:grpSpPr>
-      <p:sp useBgFill="1">
-        <p:nvSpPr>
-          <p:cNvPr id="10" name="Rectangle 9">
-            <a:extLst>
-              <a:ext uri="{FF2B5EF4-FFF2-40B4-BE49-F238E27FC236}">
-                <a16:creationId xmlns:a16="http://schemas.microsoft.com/office/drawing/2014/main" id="{B7BD7FCF-A254-4A97-A15C-319B67622677}"/>
-              </a:ext>
-              <a:ext uri="{C183D7F6-B498-43B3-948B-1728B52AA6E4}">
-                <adec:decorative xmlns:adec="http://schemas.microsoft.com/office/drawing/2017/decorative" val="1"/>
-              </a:ext>
-            </a:extLst>
-          </p:cNvPr>
-          <p:cNvSpPr>
-            <a:spLocks noGrp="1" noRot="1" noChangeAspect="1" noMove="1" noResize="1" noEditPoints="1" noAdjustHandles="1" noChangeArrowheads="1" noChangeShapeType="1" noTextEdit="1"/>
-          </p:cNvSpPr>
-          <p:nvPr>
-            <p:extLst>
-              <p:ext uri="{386F3935-93C4-4BCD-93E2-E3B085C9AB24}">
-                <p16:designElem xmlns:p16="http://schemas.microsoft.com/office/powerpoint/2015/main" val="1"/>
-              </p:ext>
-            </p:extLst>
-          </p:nvPr>
-        </p:nvSpPr>
-        <p:spPr>
-          <a:xfrm>
-            <a:off x="0" y="0"/>
-            <a:ext cx="12188952" cy="6858000"/>
-          </a:xfrm>
-          <a:prstGeom prst="rect">
-            <a:avLst/>
-          </a:prstGeom>
-          <a:ln>
-            <a:noFill/>
-          </a:ln>
-        </p:spPr>
-        <p:style>
-          <a:lnRef idx="2">
-            <a:schemeClr val="accent1">
-              <a:shade val="50000"/>
-            </a:schemeClr>
-          </a:lnRef>
-          <a:fillRef idx="1">
-            <a:schemeClr val="accent1"/>
-          </a:fillRef>
-          <a:effectRef idx="0">
-            <a:schemeClr val="accent1"/>
-          </a:effectRef>
-          <a:fontRef idx="minor">
-            <a:schemeClr val="lt1"/>
-          </a:fontRef>
-        </p:style>
-        <p:txBody>
-          <a:bodyPr rtlCol="0" anchor="ctr"/>
-          <a:lstStyle/>
-          <a:p>
-            <a:pPr algn="ctr"/>
-            <a:endParaRPr lang="en-US"/>
-          </a:p>
-        </p:txBody>
-      </p:sp>
-      <p:sp>
-        <p:nvSpPr>
-          <p:cNvPr id="12" name="Freeform: Shape 11">
-            <a:extLst>
-              <a:ext uri="{FF2B5EF4-FFF2-40B4-BE49-F238E27FC236}">
-                <a16:creationId xmlns:a16="http://schemas.microsoft.com/office/drawing/2014/main" id="{52FFAF72-6204-4676-9C6F-9A4CC4D91805}"/>
-              </a:ext>
-              <a:ext uri="{C183D7F6-B498-43B3-948B-1728B52AA6E4}">
-                <adec:decorative xmlns:adec="http://schemas.microsoft.com/office/drawing/2017/decorative" val="1"/>
-              </a:ext>
-            </a:extLst>
-          </p:cNvPr>
-          <p:cNvSpPr>
-            <a:spLocks noGrp="1" noRot="1" noChangeAspect="1" noMove="1" noResize="1" noEditPoints="1" noAdjustHandles="1" noChangeArrowheads="1" noChangeShapeType="1" noTextEdit="1"/>
-          </p:cNvSpPr>
-          <p:nvPr>
-            <p:extLst>
-              <p:ext uri="{386F3935-93C4-4BCD-93E2-E3B085C9AB24}">
-                <p16:designElem xmlns:p16="http://schemas.microsoft.com/office/powerpoint/2015/main" val="1"/>
-              </p:ext>
-            </p:extLst>
-          </p:nvPr>
-        </p:nvSpPr>
-        <p:spPr>
-          <a:xfrm flipH="1">
-            <a:off x="0" y="0"/>
-            <a:ext cx="5962785" cy="6858000"/>
-          </a:xfrm>
-          <a:custGeom>
-            <a:avLst/>
-            <a:gdLst>
-              <a:gd name="connsiteX0" fmla="*/ 1044839 w 5962785"/>
-              <a:gd name="connsiteY0" fmla="*/ 0 h 6858000"/>
-              <a:gd name="connsiteX1" fmla="*/ 5962785 w 5962785"/>
-              <a:gd name="connsiteY1" fmla="*/ 0 h 6858000"/>
-              <a:gd name="connsiteX2" fmla="*/ 5962785 w 5962785"/>
-              <a:gd name="connsiteY2" fmla="*/ 6858000 h 6858000"/>
-              <a:gd name="connsiteX3" fmla="*/ 1469886 w 5962785"/>
-              <a:gd name="connsiteY3" fmla="*/ 6858000 h 6858000"/>
-              <a:gd name="connsiteX4" fmla="*/ 1416006 w 5962785"/>
-              <a:gd name="connsiteY4" fmla="*/ 6823984 h 6858000"/>
-              <a:gd name="connsiteX5" fmla="*/ 1232473 w 5962785"/>
-              <a:gd name="connsiteY5" fmla="*/ 6733873 h 6858000"/>
-              <a:gd name="connsiteX6" fmla="*/ 1075471 w 5962785"/>
-              <a:gd name="connsiteY6" fmla="*/ 6503186 h 6858000"/>
-              <a:gd name="connsiteX7" fmla="*/ 1020229 w 5962785"/>
-              <a:gd name="connsiteY7" fmla="*/ 6438306 h 6858000"/>
-              <a:gd name="connsiteX8" fmla="*/ 883579 w 5962785"/>
-              <a:gd name="connsiteY8" fmla="*/ 6351798 h 6858000"/>
-              <a:gd name="connsiteX9" fmla="*/ 645167 w 5962785"/>
-              <a:gd name="connsiteY9" fmla="*/ 6167969 h 6858000"/>
-              <a:gd name="connsiteX10" fmla="*/ 732391 w 5962785"/>
-              <a:gd name="connsiteY10" fmla="*/ 6124716 h 6858000"/>
-              <a:gd name="connsiteX11" fmla="*/ 985339 w 5962785"/>
-              <a:gd name="connsiteY11" fmla="*/ 6236455 h 6858000"/>
-              <a:gd name="connsiteX12" fmla="*/ 1168509 w 5962785"/>
-              <a:gd name="connsiteY12" fmla="*/ 6265291 h 6858000"/>
-              <a:gd name="connsiteX13" fmla="*/ 909746 w 5962785"/>
-              <a:gd name="connsiteY13" fmla="*/ 6070649 h 6858000"/>
-              <a:gd name="connsiteX14" fmla="*/ 659704 w 5962785"/>
-              <a:gd name="connsiteY14" fmla="*/ 5818335 h 6858000"/>
-              <a:gd name="connsiteX15" fmla="*/ 851597 w 5962785"/>
-              <a:gd name="connsiteY15" fmla="*/ 5865193 h 6858000"/>
-              <a:gd name="connsiteX16" fmla="*/ 860319 w 5962785"/>
-              <a:gd name="connsiteY16" fmla="*/ 5832753 h 6858000"/>
-              <a:gd name="connsiteX17" fmla="*/ 691686 w 5962785"/>
-              <a:gd name="connsiteY17" fmla="*/ 5533581 h 6858000"/>
-              <a:gd name="connsiteX18" fmla="*/ 610278 w 5962785"/>
-              <a:gd name="connsiteY18" fmla="*/ 5411029 h 6858000"/>
-              <a:gd name="connsiteX19" fmla="*/ 238123 w 5962785"/>
-              <a:gd name="connsiteY19" fmla="*/ 5046976 h 6858000"/>
-              <a:gd name="connsiteX20" fmla="*/ 592833 w 5962785"/>
-              <a:gd name="connsiteY20" fmla="*/ 5209177 h 6858000"/>
-              <a:gd name="connsiteX21" fmla="*/ 226494 w 5962785"/>
-              <a:gd name="connsiteY21" fmla="*/ 4855939 h 6858000"/>
-              <a:gd name="connsiteX22" fmla="*/ 49139 w 5962785"/>
-              <a:gd name="connsiteY22" fmla="*/ 4726177 h 6858000"/>
-              <a:gd name="connsiteX23" fmla="*/ 5527 w 5962785"/>
-              <a:gd name="connsiteY23" fmla="*/ 4650483 h 6858000"/>
-              <a:gd name="connsiteX24" fmla="*/ 84029 w 5962785"/>
-              <a:gd name="connsiteY24" fmla="*/ 4632460 h 6858000"/>
-              <a:gd name="connsiteX25" fmla="*/ 325347 w 5962785"/>
-              <a:gd name="connsiteY25" fmla="*/ 4661296 h 6858000"/>
-              <a:gd name="connsiteX26" fmla="*/ 25879 w 5962785"/>
-              <a:gd name="connsiteY26" fmla="*/ 4423401 h 6858000"/>
-              <a:gd name="connsiteX27" fmla="*/ 249753 w 5962785"/>
-              <a:gd name="connsiteY27" fmla="*/ 4459446 h 6858000"/>
-              <a:gd name="connsiteX28" fmla="*/ 313718 w 5962785"/>
-              <a:gd name="connsiteY28" fmla="*/ 4365729 h 6858000"/>
-              <a:gd name="connsiteX29" fmla="*/ 418386 w 5962785"/>
-              <a:gd name="connsiteY29" fmla="*/ 4214341 h 6858000"/>
-              <a:gd name="connsiteX30" fmla="*/ 491072 w 5962785"/>
-              <a:gd name="connsiteY30" fmla="*/ 4131438 h 6858000"/>
-              <a:gd name="connsiteX31" fmla="*/ 520147 w 5962785"/>
-              <a:gd name="connsiteY31" fmla="*/ 3864706 h 6858000"/>
-              <a:gd name="connsiteX32" fmla="*/ 459090 w 5962785"/>
-              <a:gd name="connsiteY32" fmla="*/ 3572743 h 6858000"/>
-              <a:gd name="connsiteX33" fmla="*/ 290458 w 5962785"/>
-              <a:gd name="connsiteY33" fmla="*/ 3424959 h 6858000"/>
-              <a:gd name="connsiteX34" fmla="*/ 339884 w 5962785"/>
-              <a:gd name="connsiteY34" fmla="*/ 3259153 h 6858000"/>
-              <a:gd name="connsiteX35" fmla="*/ 697501 w 5962785"/>
-              <a:gd name="connsiteY35" fmla="*/ 3360078 h 6858000"/>
-              <a:gd name="connsiteX36" fmla="*/ 165437 w 5962785"/>
-              <a:gd name="connsiteY36" fmla="*/ 2967190 h 6858000"/>
-              <a:gd name="connsiteX37" fmla="*/ 255568 w 5962785"/>
-              <a:gd name="connsiteY37" fmla="*/ 2949167 h 6858000"/>
-              <a:gd name="connsiteX38" fmla="*/ 578296 w 5962785"/>
-              <a:gd name="connsiteY38" fmla="*/ 2725691 h 6858000"/>
-              <a:gd name="connsiteX39" fmla="*/ 595740 w 5962785"/>
-              <a:gd name="connsiteY39" fmla="*/ 2714876 h 6858000"/>
-              <a:gd name="connsiteX40" fmla="*/ 650982 w 5962785"/>
-              <a:gd name="connsiteY40" fmla="*/ 2574301 h 6858000"/>
-              <a:gd name="connsiteX41" fmla="*/ 825429 w 5962785"/>
-              <a:gd name="connsiteY41" fmla="*/ 2552674 h 6858000"/>
-              <a:gd name="connsiteX42" fmla="*/ 970802 w 5962785"/>
-              <a:gd name="connsiteY42" fmla="*/ 2585115 h 6858000"/>
-              <a:gd name="connsiteX43" fmla="*/ 1127805 w 5962785"/>
-              <a:gd name="connsiteY43" fmla="*/ 2545465 h 6858000"/>
-              <a:gd name="connsiteX44" fmla="*/ 1267362 w 5962785"/>
-              <a:gd name="connsiteY44" fmla="*/ 2563488 h 6858000"/>
-              <a:gd name="connsiteX45" fmla="*/ 1386568 w 5962785"/>
-              <a:gd name="connsiteY45" fmla="*/ 2538257 h 6858000"/>
-              <a:gd name="connsiteX46" fmla="*/ 1270270 w 5962785"/>
-              <a:gd name="connsiteY46" fmla="*/ 2419309 h 6858000"/>
-              <a:gd name="connsiteX47" fmla="*/ 1107453 w 5962785"/>
-              <a:gd name="connsiteY47" fmla="*/ 2419309 h 6858000"/>
-              <a:gd name="connsiteX48" fmla="*/ 991154 w 5962785"/>
-              <a:gd name="connsiteY48" fmla="*/ 2343615 h 6858000"/>
-              <a:gd name="connsiteX49" fmla="*/ 880671 w 5962785"/>
-              <a:gd name="connsiteY49" fmla="*/ 2206645 h 6858000"/>
-              <a:gd name="connsiteX50" fmla="*/ 491072 w 5962785"/>
-              <a:gd name="connsiteY50" fmla="*/ 1986771 h 6858000"/>
-              <a:gd name="connsiteX51" fmla="*/ 421293 w 5962785"/>
-              <a:gd name="connsiteY51" fmla="*/ 1903868 h 6858000"/>
-              <a:gd name="connsiteX52" fmla="*/ 1531941 w 5962785"/>
-              <a:gd name="connsiteY52" fmla="*/ 2224667 h 6858000"/>
-              <a:gd name="connsiteX53" fmla="*/ 1188861 w 5962785"/>
-              <a:gd name="connsiteY53" fmla="*/ 2091301 h 6858000"/>
-              <a:gd name="connsiteX54" fmla="*/ 1421458 w 5962785"/>
-              <a:gd name="connsiteY54" fmla="*/ 2116532 h 6858000"/>
-              <a:gd name="connsiteX55" fmla="*/ 1549386 w 5962785"/>
-              <a:gd name="connsiteY55" fmla="*/ 2026420 h 6858000"/>
-              <a:gd name="connsiteX56" fmla="*/ 1549386 w 5962785"/>
-              <a:gd name="connsiteY56" fmla="*/ 1997584 h 6858000"/>
-              <a:gd name="connsiteX57" fmla="*/ 1453440 w 5962785"/>
-              <a:gd name="connsiteY57" fmla="*/ 1914682 h 6858000"/>
-              <a:gd name="connsiteX58" fmla="*/ 1398198 w 5962785"/>
-              <a:gd name="connsiteY58" fmla="*/ 1860614 h 6858000"/>
-              <a:gd name="connsiteX59" fmla="*/ 1247011 w 5962785"/>
-              <a:gd name="connsiteY59" fmla="*/ 1665972 h 6858000"/>
-              <a:gd name="connsiteX60" fmla="*/ 1354586 w 5962785"/>
-              <a:gd name="connsiteY60" fmla="*/ 1644345 h 6858000"/>
-              <a:gd name="connsiteX61" fmla="*/ 1395290 w 5962785"/>
-              <a:gd name="connsiteY61" fmla="*/ 1604696 h 6858000"/>
-              <a:gd name="connsiteX62" fmla="*/ 1366216 w 5962785"/>
-              <a:gd name="connsiteY62" fmla="*/ 1547025 h 6858000"/>
-              <a:gd name="connsiteX63" fmla="*/ 1031858 w 5962785"/>
-              <a:gd name="connsiteY63" fmla="*/ 1370405 h 6858000"/>
-              <a:gd name="connsiteX64" fmla="*/ 1005692 w 5962785"/>
-              <a:gd name="connsiteY64" fmla="*/ 1233435 h 6858000"/>
-              <a:gd name="connsiteX65" fmla="*/ 1069655 w 5962785"/>
-              <a:gd name="connsiteY65" fmla="*/ 1211808 h 6858000"/>
-              <a:gd name="connsiteX66" fmla="*/ 1142342 w 5962785"/>
-              <a:gd name="connsiteY66" fmla="*/ 1222621 h 6858000"/>
-              <a:gd name="connsiteX67" fmla="*/ 1084193 w 5962785"/>
-              <a:gd name="connsiteY67" fmla="*/ 1114487 h 6858000"/>
-              <a:gd name="connsiteX68" fmla="*/ 848689 w 5962785"/>
-              <a:gd name="connsiteY68" fmla="*/ 1006353 h 6858000"/>
-              <a:gd name="connsiteX69" fmla="*/ 805077 w 5962785"/>
-              <a:gd name="connsiteY69" fmla="*/ 948681 h 6858000"/>
-              <a:gd name="connsiteX70" fmla="*/ 863226 w 5962785"/>
-              <a:gd name="connsiteY70" fmla="*/ 919844 h 6858000"/>
-              <a:gd name="connsiteX71" fmla="*/ 906838 w 5962785"/>
-              <a:gd name="connsiteY71" fmla="*/ 909031 h 6858000"/>
-              <a:gd name="connsiteX72" fmla="*/ 5527 w 5962785"/>
-              <a:gd name="connsiteY72" fmla="*/ 458471 h 6858000"/>
-              <a:gd name="connsiteX73" fmla="*/ 209049 w 5962785"/>
-              <a:gd name="connsiteY73" fmla="*/ 454867 h 6858000"/>
-              <a:gd name="connsiteX74" fmla="*/ 409664 w 5962785"/>
-              <a:gd name="connsiteY74" fmla="*/ 526956 h 6858000"/>
-              <a:gd name="connsiteX75" fmla="*/ 621908 w 5962785"/>
-              <a:gd name="connsiteY75" fmla="*/ 516143 h 6858000"/>
-              <a:gd name="connsiteX76" fmla="*/ 822522 w 5962785"/>
-              <a:gd name="connsiteY76" fmla="*/ 552188 h 6858000"/>
-              <a:gd name="connsiteX77" fmla="*/ 996969 w 5962785"/>
-              <a:gd name="connsiteY77" fmla="*/ 552188 h 6858000"/>
-              <a:gd name="connsiteX78" fmla="*/ 834151 w 5962785"/>
-              <a:gd name="connsiteY78" fmla="*/ 498120 h 6858000"/>
-              <a:gd name="connsiteX79" fmla="*/ 773095 w 5962785"/>
-              <a:gd name="connsiteY79" fmla="*/ 408008 h 6858000"/>
-              <a:gd name="connsiteX80" fmla="*/ 793447 w 5962785"/>
-              <a:gd name="connsiteY80" fmla="*/ 325106 h 6858000"/>
-              <a:gd name="connsiteX81" fmla="*/ 860319 w 5962785"/>
-              <a:gd name="connsiteY81" fmla="*/ 350336 h 6858000"/>
-              <a:gd name="connsiteX82" fmla="*/ 938820 w 5962785"/>
-              <a:gd name="connsiteY82" fmla="*/ 444054 h 6858000"/>
-              <a:gd name="connsiteX83" fmla="*/ 956265 w 5962785"/>
-              <a:gd name="connsiteY83" fmla="*/ 386381 h 6858000"/>
-              <a:gd name="connsiteX84" fmla="*/ 1002784 w 5962785"/>
-              <a:gd name="connsiteY84" fmla="*/ 343127 h 6858000"/>
-              <a:gd name="connsiteX85" fmla="*/ 1270270 w 5962785"/>
-              <a:gd name="connsiteY85" fmla="*/ 364755 h 6858000"/>
-              <a:gd name="connsiteX86" fmla="*/ 1092915 w 5962785"/>
-              <a:gd name="connsiteY86" fmla="*/ 180926 h 6858000"/>
-              <a:gd name="connsiteX87" fmla="*/ 979525 w 5962785"/>
-              <a:gd name="connsiteY87" fmla="*/ 152090 h 6858000"/>
-              <a:gd name="connsiteX88" fmla="*/ 953358 w 5962785"/>
-              <a:gd name="connsiteY88" fmla="*/ 76396 h 6858000"/>
-              <a:gd name="connsiteX89" fmla="*/ 1005692 w 5962785"/>
-              <a:gd name="connsiteY89" fmla="*/ 58373 h 6858000"/>
-              <a:gd name="connsiteX90" fmla="*/ 1267362 w 5962785"/>
-              <a:gd name="connsiteY90" fmla="*/ 123254 h 6858000"/>
-              <a:gd name="connsiteX91" fmla="*/ 1310975 w 5962785"/>
-              <a:gd name="connsiteY91" fmla="*/ 98023 h 6858000"/>
-              <a:gd name="connsiteX92" fmla="*/ 1159787 w 5962785"/>
-              <a:gd name="connsiteY92" fmla="*/ 43505 h 6858000"/>
-            </a:gdLst>
-            <a:ahLst/>
-            <a:cxnLst>
-              <a:cxn ang="0">
-                <a:pos x="connsiteX0" y="connsiteY0"/>
-              </a:cxn>
-              <a:cxn ang="0">
-                <a:pos x="connsiteX1" y="connsiteY1"/>
-              </a:cxn>
-              <a:cxn ang="0">
-                <a:pos x="connsiteX2" y="connsiteY2"/>
-              </a:cxn>
-              <a:cxn ang="0">
-                <a:pos x="connsiteX3" y="connsiteY3"/>
-              </a:cxn>
-              <a:cxn ang="0">
-                <a:pos x="connsiteX4" y="connsiteY4"/>
-              </a:cxn>
-              <a:cxn ang="0">
-                <a:pos x="connsiteX5" y="connsiteY5"/>
-              </a:cxn>
-              <a:cxn ang="0">
-                <a:pos x="connsiteX6" y="connsiteY6"/>
-              </a:cxn>
-              <a:cxn ang="0">
-                <a:pos x="connsiteX7" y="connsiteY7"/>
-              </a:cxn>
-              <a:cxn ang="0">
-                <a:pos x="connsiteX8" y="connsiteY8"/>
-              </a:cxn>
-              <a:cxn ang="0">
-                <a:pos x="connsiteX9" y="connsiteY9"/>
-              </a:cxn>
-              <a:cxn ang="0">
-                <a:pos x="connsiteX10" y="connsiteY10"/>
-              </a:cxn>
-              <a:cxn ang="0">
-                <a:pos x="connsiteX11" y="connsiteY11"/>
-              </a:cxn>
-              <a:cxn ang="0">
-                <a:pos x="connsiteX12" y="connsiteY12"/>
-              </a:cxn>
-              <a:cxn ang="0">
-                <a:pos x="connsiteX13" y="connsiteY13"/>
-              </a:cxn>
-              <a:cxn ang="0">
-                <a:pos x="connsiteX14" y="connsiteY14"/>
-              </a:cxn>
-              <a:cxn ang="0">
-                <a:pos x="connsiteX15" y="connsiteY15"/>
-              </a:cxn>
-              <a:cxn ang="0">
-                <a:pos x="connsiteX16" y="connsiteY16"/>
-              </a:cxn>
-              <a:cxn ang="0">
-                <a:pos x="connsiteX17" y="connsiteY17"/>
-              </a:cxn>
-              <a:cxn ang="0">
-                <a:pos x="connsiteX18" y="connsiteY18"/>
-              </a:cxn>
-              <a:cxn ang="0">
-                <a:pos x="connsiteX19" y="connsiteY19"/>
-              </a:cxn>
-              <a:cxn ang="0">
-                <a:pos x="connsiteX20" y="connsiteY20"/>
-              </a:cxn>
-              <a:cxn ang="0">
-                <a:pos x="connsiteX21" y="connsiteY21"/>
-              </a:cxn>
-              <a:cxn ang="0">
-                <a:pos x="connsiteX22" y="connsiteY22"/>
-              </a:cxn>
-              <a:cxn ang="0">
-                <a:pos x="connsiteX23" y="connsiteY23"/>
-              </a:cxn>
-              <a:cxn ang="0">
-                <a:pos x="connsiteX24" y="connsiteY24"/>
-              </a:cxn>
-              <a:cxn ang="0">
-                <a:pos x="connsiteX25" y="connsiteY25"/>
-              </a:cxn>
-              <a:cxn ang="0">
-                <a:pos x="connsiteX26" y="connsiteY26"/>
-              </a:cxn>
-              <a:cxn ang="0">
-                <a:pos x="connsiteX27" y="connsiteY27"/>
-              </a:cxn>
-              <a:cxn ang="0">
-                <a:pos x="connsiteX28" y="connsiteY28"/>
-              </a:cxn>
-              <a:cxn ang="0">
-                <a:pos x="connsiteX29" y="connsiteY29"/>
-              </a:cxn>
-              <a:cxn ang="0">
-                <a:pos x="connsiteX30" y="connsiteY30"/>
-              </a:cxn>
-              <a:cxn ang="0">
-                <a:pos x="connsiteX31" y="connsiteY31"/>
-              </a:cxn>
-              <a:cxn ang="0">
-                <a:pos x="connsiteX32" y="connsiteY32"/>
-              </a:cxn>
-              <a:cxn ang="0">
-                <a:pos x="connsiteX33" y="connsiteY33"/>
-              </a:cxn>
-              <a:cxn ang="0">
-                <a:pos x="connsiteX34" y="connsiteY34"/>
-              </a:cxn>
-              <a:cxn ang="0">
-                <a:pos x="connsiteX35" y="connsiteY35"/>
-              </a:cxn>
-              <a:cxn ang="0">
-                <a:pos x="connsiteX36" y="connsiteY36"/>
-              </a:cxn>
-              <a:cxn ang="0">
-                <a:pos x="connsiteX37" y="connsiteY37"/>
-              </a:cxn>
-              <a:cxn ang="0">
-                <a:pos x="connsiteX38" y="connsiteY38"/>
-              </a:cxn>
-              <a:cxn ang="0">
-                <a:pos x="connsiteX39" y="connsiteY39"/>
-              </a:cxn>
-              <a:cxn ang="0">
-                <a:pos x="connsiteX40" y="connsiteY40"/>
-              </a:cxn>
-              <a:cxn ang="0">
-                <a:pos x="connsiteX41" y="connsiteY41"/>
-              </a:cxn>
-              <a:cxn ang="0">
-                <a:pos x="connsiteX42" y="connsiteY42"/>
-              </a:cxn>
-              <a:cxn ang="0">
-                <a:pos x="connsiteX43" y="connsiteY43"/>
-              </a:cxn>
-              <a:cxn ang="0">
-                <a:pos x="connsiteX44" y="connsiteY44"/>
-              </a:cxn>
-              <a:cxn ang="0">
-                <a:pos x="connsiteX45" y="connsiteY45"/>
-              </a:cxn>
-              <a:cxn ang="0">
-                <a:pos x="connsiteX46" y="connsiteY46"/>
-              </a:cxn>
-              <a:cxn ang="0">
-                <a:pos x="connsiteX47" y="connsiteY47"/>
-              </a:cxn>
-              <a:cxn ang="0">
-                <a:pos x="connsiteX48" y="connsiteY48"/>
-              </a:cxn>
-              <a:cxn ang="0">
-                <a:pos x="connsiteX49" y="connsiteY49"/>
-              </a:cxn>
-              <a:cxn ang="0">
-                <a:pos x="connsiteX50" y="connsiteY50"/>
-              </a:cxn>
-              <a:cxn ang="0">
-                <a:pos x="connsiteX51" y="connsiteY51"/>
-              </a:cxn>
-              <a:cxn ang="0">
-                <a:pos x="connsiteX52" y="connsiteY52"/>
-              </a:cxn>
-              <a:cxn ang="0">
-                <a:pos x="connsiteX53" y="connsiteY53"/>
-              </a:cxn>
-              <a:cxn ang="0">
-                <a:pos x="connsiteX54" y="connsiteY54"/>
-              </a:cxn>
-              <a:cxn ang="0">
-                <a:pos x="connsiteX55" y="connsiteY55"/>
-              </a:cxn>
-              <a:cxn ang="0">
-                <a:pos x="connsiteX56" y="connsiteY56"/>
-              </a:cxn>
-              <a:cxn ang="0">
-                <a:pos x="connsiteX57" y="connsiteY57"/>
-              </a:cxn>
-              <a:cxn ang="0">
-                <a:pos x="connsiteX58" y="connsiteY58"/>
-              </a:cxn>
-              <a:cxn ang="0">
-                <a:pos x="connsiteX59" y="connsiteY59"/>
-              </a:cxn>
-              <a:cxn ang="0">
-                <a:pos x="connsiteX60" y="connsiteY60"/>
-              </a:cxn>
-              <a:cxn ang="0">
-                <a:pos x="connsiteX61" y="connsiteY61"/>
-              </a:cxn>
-              <a:cxn ang="0">
-                <a:pos x="connsiteX62" y="connsiteY62"/>
-              </a:cxn>
-              <a:cxn ang="0">
-                <a:pos x="connsiteX63" y="connsiteY63"/>
-              </a:cxn>
-              <a:cxn ang="0">
-                <a:pos x="connsiteX64" y="connsiteY64"/>
-              </a:cxn>
-              <a:cxn ang="0">
-                <a:pos x="connsiteX65" y="connsiteY65"/>
-              </a:cxn>
-              <a:cxn ang="0">
-                <a:pos x="connsiteX66" y="connsiteY66"/>
-              </a:cxn>
-              <a:cxn ang="0">
-                <a:pos x="connsiteX67" y="connsiteY67"/>
-              </a:cxn>
-              <a:cxn ang="0">
-                <a:pos x="connsiteX68" y="connsiteY68"/>
-              </a:cxn>
-              <a:cxn ang="0">
-                <a:pos x="connsiteX69" y="connsiteY69"/>
-              </a:cxn>
-              <a:cxn ang="0">
-                <a:pos x="connsiteX70" y="connsiteY70"/>
-              </a:cxn>
-              <a:cxn ang="0">
-                <a:pos x="connsiteX71" y="connsiteY71"/>
-              </a:cxn>
-              <a:cxn ang="0">
-                <a:pos x="connsiteX72" y="connsiteY72"/>
-              </a:cxn>
-              <a:cxn ang="0">
-                <a:pos x="connsiteX73" y="connsiteY73"/>
-              </a:cxn>
-              <a:cxn ang="0">
-                <a:pos x="connsiteX74" y="connsiteY74"/>
-              </a:cxn>
-              <a:cxn ang="0">
-                <a:pos x="connsiteX75" y="connsiteY75"/>
-              </a:cxn>
-              <a:cxn ang="0">
-                <a:pos x="connsiteX76" y="connsiteY76"/>
-              </a:cxn>
-              <a:cxn ang="0">
-                <a:pos x="connsiteX77" y="connsiteY77"/>
-              </a:cxn>
-              <a:cxn ang="0">
-                <a:pos x="connsiteX78" y="connsiteY78"/>
-              </a:cxn>
-              <a:cxn ang="0">
-                <a:pos x="connsiteX79" y="connsiteY79"/>
-              </a:cxn>
-              <a:cxn ang="0">
-                <a:pos x="connsiteX80" y="connsiteY80"/>
-              </a:cxn>
-              <a:cxn ang="0">
-                <a:pos x="connsiteX81" y="connsiteY81"/>
-              </a:cxn>
-              <a:cxn ang="0">
-                <a:pos x="connsiteX82" y="connsiteY82"/>
-              </a:cxn>
-              <a:cxn ang="0">
-                <a:pos x="connsiteX83" y="connsiteY83"/>
-              </a:cxn>
-              <a:cxn ang="0">
-                <a:pos x="connsiteX84" y="connsiteY84"/>
-              </a:cxn>
-              <a:cxn ang="0">
-                <a:pos x="connsiteX85" y="connsiteY85"/>
-              </a:cxn>
-              <a:cxn ang="0">
-                <a:pos x="connsiteX86" y="connsiteY86"/>
-              </a:cxn>
-              <a:cxn ang="0">
-                <a:pos x="connsiteX87" y="connsiteY87"/>
-              </a:cxn>
-              <a:cxn ang="0">
-                <a:pos x="connsiteX88" y="connsiteY88"/>
-              </a:cxn>
-              <a:cxn ang="0">
-                <a:pos x="connsiteX89" y="connsiteY89"/>
-              </a:cxn>
-              <a:cxn ang="0">
-                <a:pos x="connsiteX90" y="connsiteY90"/>
-              </a:cxn>
-              <a:cxn ang="0">
-                <a:pos x="connsiteX91" y="connsiteY91"/>
-              </a:cxn>
-              <a:cxn ang="0">
-                <a:pos x="connsiteX92" y="connsiteY92"/>
-              </a:cxn>
-            </a:cxnLst>
-            <a:rect l="l" t="t" r="r" b="b"/>
-            <a:pathLst>
-              <a:path w="5962785" h="6858000">
-                <a:moveTo>
-                  <a:pt x="1044839" y="0"/>
-                </a:moveTo>
-                <a:lnTo>
-                  <a:pt x="5962785" y="0"/>
-                </a:lnTo>
-                <a:lnTo>
-                  <a:pt x="5962785" y="6858000"/>
-                </a:lnTo>
-                <a:lnTo>
-                  <a:pt x="1469886" y="6858000"/>
-                </a:lnTo>
-                <a:lnTo>
-                  <a:pt x="1416006" y="6823984"/>
-                </a:lnTo>
-                <a:cubicBezTo>
-                  <a:pt x="1356767" y="6787940"/>
-                  <a:pt x="1296437" y="6755500"/>
-                  <a:pt x="1232473" y="6733873"/>
-                </a:cubicBezTo>
-                <a:cubicBezTo>
-                  <a:pt x="1145250" y="6705037"/>
-                  <a:pt x="1060933" y="6654575"/>
-                  <a:pt x="1075471" y="6503186"/>
-                </a:cubicBezTo>
-                <a:cubicBezTo>
-                  <a:pt x="1078378" y="6459932"/>
-                  <a:pt x="1055118" y="6427493"/>
-                  <a:pt x="1020229" y="6438306"/>
-                </a:cubicBezTo>
-                <a:cubicBezTo>
-                  <a:pt x="953358" y="6459932"/>
-                  <a:pt x="921375" y="6398656"/>
-                  <a:pt x="883579" y="6351798"/>
-                </a:cubicBezTo>
-                <a:cubicBezTo>
-                  <a:pt x="816707" y="6268895"/>
-                  <a:pt x="752743" y="6182387"/>
-                  <a:pt x="645167" y="6167969"/>
-                </a:cubicBezTo>
-                <a:cubicBezTo>
-                  <a:pt x="665519" y="6103088"/>
-                  <a:pt x="700408" y="6110298"/>
-                  <a:pt x="732391" y="6124716"/>
-                </a:cubicBezTo>
-                <a:cubicBezTo>
-                  <a:pt x="816707" y="6160761"/>
-                  <a:pt x="901023" y="6200410"/>
-                  <a:pt x="985339" y="6236455"/>
-                </a:cubicBezTo>
-                <a:cubicBezTo>
-                  <a:pt x="1040581" y="6258081"/>
-                  <a:pt x="1095822" y="6290522"/>
-                  <a:pt x="1168509" y="6265291"/>
-                </a:cubicBezTo>
-                <a:cubicBezTo>
-                  <a:pt x="1104545" y="6135530"/>
-                  <a:pt x="996969" y="6110298"/>
-                  <a:pt x="909746" y="6070649"/>
-                </a:cubicBezTo>
-                <a:cubicBezTo>
-                  <a:pt x="802169" y="6020185"/>
-                  <a:pt x="738206" y="5926470"/>
-                  <a:pt x="659704" y="5818335"/>
-                </a:cubicBezTo>
-                <a:cubicBezTo>
-                  <a:pt x="738206" y="5789500"/>
-                  <a:pt x="787632" y="5868798"/>
-                  <a:pt x="851597" y="5865193"/>
-                </a:cubicBezTo>
-                <a:cubicBezTo>
-                  <a:pt x="854504" y="5854380"/>
-                  <a:pt x="860319" y="5832753"/>
-                  <a:pt x="860319" y="5832753"/>
-                </a:cubicBezTo>
-                <a:cubicBezTo>
-                  <a:pt x="755650" y="5775081"/>
-                  <a:pt x="709132" y="5666947"/>
-                  <a:pt x="691686" y="5533581"/>
-                </a:cubicBezTo>
-                <a:cubicBezTo>
-                  <a:pt x="685872" y="5465095"/>
-                  <a:pt x="648075" y="5443468"/>
-                  <a:pt x="610278" y="5411029"/>
-                </a:cubicBezTo>
-                <a:cubicBezTo>
-                  <a:pt x="482350" y="5299289"/>
-                  <a:pt x="345700" y="5198364"/>
-                  <a:pt x="238123" y="5046976"/>
-                </a:cubicBezTo>
-                <a:cubicBezTo>
-                  <a:pt x="363144" y="5064998"/>
-                  <a:pt x="461997" y="5165924"/>
-                  <a:pt x="592833" y="5209177"/>
-                </a:cubicBezTo>
-                <a:cubicBezTo>
-                  <a:pt x="488165" y="5043371"/>
-                  <a:pt x="351514" y="4956864"/>
-                  <a:pt x="226494" y="4855939"/>
-                </a:cubicBezTo>
-                <a:cubicBezTo>
-                  <a:pt x="168344" y="4809081"/>
-                  <a:pt x="116011" y="4751408"/>
-                  <a:pt x="49139" y="4726177"/>
-                </a:cubicBezTo>
-                <a:cubicBezTo>
-                  <a:pt x="25879" y="4718968"/>
-                  <a:pt x="-14825" y="4700947"/>
-                  <a:pt x="5527" y="4650483"/>
-                </a:cubicBezTo>
-                <a:cubicBezTo>
-                  <a:pt x="22972" y="4607230"/>
-                  <a:pt x="54954" y="4621648"/>
-                  <a:pt x="84029" y="4632460"/>
-                </a:cubicBezTo>
-                <a:cubicBezTo>
-                  <a:pt x="153807" y="4661296"/>
-                  <a:pt x="229401" y="4661296"/>
-                  <a:pt x="325347" y="4661296"/>
-                </a:cubicBezTo>
-                <a:cubicBezTo>
-                  <a:pt x="243939" y="4524326"/>
-                  <a:pt x="95658" y="4567580"/>
-                  <a:pt x="25879" y="4423401"/>
-                </a:cubicBezTo>
-                <a:cubicBezTo>
-                  <a:pt x="113103" y="4398170"/>
-                  <a:pt x="179975" y="4448632"/>
-                  <a:pt x="249753" y="4459446"/>
-                </a:cubicBezTo>
-                <a:cubicBezTo>
-                  <a:pt x="313718" y="4470259"/>
-                  <a:pt x="328254" y="4445028"/>
-                  <a:pt x="313718" y="4365729"/>
-                </a:cubicBezTo>
-                <a:cubicBezTo>
-                  <a:pt x="290458" y="4243177"/>
-                  <a:pt x="325347" y="4181900"/>
-                  <a:pt x="418386" y="4214341"/>
-                </a:cubicBezTo>
-                <a:cubicBezTo>
-                  <a:pt x="505609" y="4246781"/>
-                  <a:pt x="514332" y="4199922"/>
-                  <a:pt x="491072" y="4131438"/>
-                </a:cubicBezTo>
-                <a:cubicBezTo>
-                  <a:pt x="456183" y="4030512"/>
-                  <a:pt x="493979" y="3951214"/>
-                  <a:pt x="520147" y="3864706"/>
-                </a:cubicBezTo>
-                <a:cubicBezTo>
-                  <a:pt x="560851" y="3734945"/>
-                  <a:pt x="543407" y="3670064"/>
-                  <a:pt x="459090" y="3572743"/>
-                </a:cubicBezTo>
-                <a:cubicBezTo>
-                  <a:pt x="409664" y="3518676"/>
-                  <a:pt x="360236" y="3471818"/>
-                  <a:pt x="290458" y="3424959"/>
-                </a:cubicBezTo>
-                <a:cubicBezTo>
-                  <a:pt x="450368" y="3399728"/>
-                  <a:pt x="284643" y="3313221"/>
-                  <a:pt x="339884" y="3259153"/>
-                </a:cubicBezTo>
-                <a:cubicBezTo>
-                  <a:pt x="453275" y="3237527"/>
-                  <a:pt x="543407" y="3410542"/>
-                  <a:pt x="697501" y="3360078"/>
-                </a:cubicBezTo>
-                <a:cubicBezTo>
-                  <a:pt x="511425" y="3212294"/>
-                  <a:pt x="302087" y="3165436"/>
-                  <a:pt x="165437" y="2967190"/>
-                </a:cubicBezTo>
-                <a:cubicBezTo>
-                  <a:pt x="197419" y="2923937"/>
-                  <a:pt x="229401" y="2967190"/>
-                  <a:pt x="255568" y="2949167"/>
-                </a:cubicBezTo>
-                <a:cubicBezTo>
-                  <a:pt x="255568" y="2938354"/>
-                  <a:pt x="560851" y="3006840"/>
-                  <a:pt x="578296" y="2725691"/>
-                </a:cubicBezTo>
-                <a:cubicBezTo>
-                  <a:pt x="584111" y="2725691"/>
-                  <a:pt x="589926" y="2725691"/>
-                  <a:pt x="595740" y="2714876"/>
-                </a:cubicBezTo>
-                <a:cubicBezTo>
-                  <a:pt x="627722" y="2675228"/>
-                  <a:pt x="598648" y="2581510"/>
-                  <a:pt x="650982" y="2574301"/>
-                </a:cubicBezTo>
-                <a:cubicBezTo>
-                  <a:pt x="709132" y="2567092"/>
-                  <a:pt x="764373" y="2534653"/>
-                  <a:pt x="825429" y="2552674"/>
-                </a:cubicBezTo>
-                <a:cubicBezTo>
-                  <a:pt x="871949" y="2567092"/>
-                  <a:pt x="921375" y="2585115"/>
-                  <a:pt x="970802" y="2585115"/>
-                </a:cubicBezTo>
-                <a:cubicBezTo>
-                  <a:pt x="1023136" y="2585115"/>
-                  <a:pt x="1095822" y="2707668"/>
-                  <a:pt x="1127805" y="2545465"/>
-                </a:cubicBezTo>
-                <a:cubicBezTo>
-                  <a:pt x="1127805" y="2538257"/>
-                  <a:pt x="1217936" y="2556280"/>
-                  <a:pt x="1267362" y="2563488"/>
-                </a:cubicBezTo>
-                <a:cubicBezTo>
-                  <a:pt x="1308067" y="2570698"/>
-                  <a:pt x="1357494" y="2603137"/>
-                  <a:pt x="1386568" y="2538257"/>
-                </a:cubicBezTo>
-                <a:cubicBezTo>
-                  <a:pt x="1401105" y="2498607"/>
-                  <a:pt x="1331326" y="2426518"/>
-                  <a:pt x="1270270" y="2419309"/>
-                </a:cubicBezTo>
-                <a:cubicBezTo>
-                  <a:pt x="1215029" y="2412101"/>
-                  <a:pt x="1159787" y="2404892"/>
-                  <a:pt x="1107453" y="2419309"/>
-                </a:cubicBezTo>
-                <a:cubicBezTo>
-                  <a:pt x="1043489" y="2437331"/>
-                  <a:pt x="1008599" y="2408495"/>
-                  <a:pt x="991154" y="2343615"/>
-                </a:cubicBezTo>
-                <a:cubicBezTo>
-                  <a:pt x="970802" y="2275131"/>
-                  <a:pt x="933005" y="2239085"/>
-                  <a:pt x="880671" y="2206645"/>
-                </a:cubicBezTo>
-                <a:cubicBezTo>
-                  <a:pt x="752743" y="2127346"/>
-                  <a:pt x="630630" y="2033629"/>
-                  <a:pt x="491072" y="1986771"/>
-                </a:cubicBezTo>
-                <a:cubicBezTo>
-                  <a:pt x="464905" y="1979562"/>
-                  <a:pt x="432923" y="1965145"/>
-                  <a:pt x="421293" y="1903868"/>
-                </a:cubicBezTo>
-                <a:cubicBezTo>
-                  <a:pt x="799262" y="1997584"/>
-                  <a:pt x="1142342" y="2239085"/>
-                  <a:pt x="1531941" y="2224667"/>
-                </a:cubicBezTo>
-                <a:cubicBezTo>
-                  <a:pt x="1427272" y="2148974"/>
-                  <a:pt x="1302252" y="2145369"/>
-                  <a:pt x="1188861" y="2091301"/>
-                </a:cubicBezTo>
-                <a:cubicBezTo>
-                  <a:pt x="1270270" y="2051652"/>
-                  <a:pt x="1345864" y="2094906"/>
-                  <a:pt x="1421458" y="2116532"/>
-                </a:cubicBezTo>
-                <a:cubicBezTo>
-                  <a:pt x="1485422" y="2134554"/>
-                  <a:pt x="1543571" y="2138160"/>
-                  <a:pt x="1549386" y="2026420"/>
-                </a:cubicBezTo>
-                <a:cubicBezTo>
-                  <a:pt x="1549386" y="2015607"/>
-                  <a:pt x="1549386" y="2008398"/>
-                  <a:pt x="1549386" y="1997584"/>
-                </a:cubicBezTo>
-                <a:cubicBezTo>
-                  <a:pt x="1526126" y="1950727"/>
-                  <a:pt x="1494144" y="1929099"/>
-                  <a:pt x="1453440" y="1914682"/>
-                </a:cubicBezTo>
-                <a:cubicBezTo>
-                  <a:pt x="1430180" y="1907473"/>
-                  <a:pt x="1398198" y="1893056"/>
-                  <a:pt x="1398198" y="1860614"/>
-                </a:cubicBezTo>
-                <a:cubicBezTo>
-                  <a:pt x="1401105" y="1738063"/>
-                  <a:pt x="1322604" y="1702018"/>
-                  <a:pt x="1247011" y="1665972"/>
-                </a:cubicBezTo>
-                <a:cubicBezTo>
-                  <a:pt x="1287715" y="1604696"/>
-                  <a:pt x="1322604" y="1647950"/>
-                  <a:pt x="1354586" y="1644345"/>
-                </a:cubicBezTo>
-                <a:cubicBezTo>
-                  <a:pt x="1374939" y="1640741"/>
-                  <a:pt x="1395290" y="1637138"/>
-                  <a:pt x="1395290" y="1604696"/>
-                </a:cubicBezTo>
-                <a:cubicBezTo>
-                  <a:pt x="1395290" y="1579465"/>
-                  <a:pt x="1386568" y="1547025"/>
-                  <a:pt x="1366216" y="1547025"/>
-                </a:cubicBezTo>
-                <a:cubicBezTo>
-                  <a:pt x="1238288" y="1543420"/>
-                  <a:pt x="1165601" y="1370405"/>
-                  <a:pt x="1031858" y="1370405"/>
-                </a:cubicBezTo>
-                <a:cubicBezTo>
-                  <a:pt x="950450" y="1370405"/>
-                  <a:pt x="1072563" y="1273083"/>
-                  <a:pt x="1005692" y="1233435"/>
-                </a:cubicBezTo>
-                <a:cubicBezTo>
-                  <a:pt x="991154" y="1222621"/>
-                  <a:pt x="1046396" y="1208203"/>
-                  <a:pt x="1069655" y="1211808"/>
-                </a:cubicBezTo>
-                <a:cubicBezTo>
-                  <a:pt x="1092915" y="1215412"/>
-                  <a:pt x="1113268" y="1240644"/>
-                  <a:pt x="1142342" y="1222621"/>
-                </a:cubicBezTo>
-                <a:cubicBezTo>
-                  <a:pt x="1156879" y="1157741"/>
-                  <a:pt x="1119082" y="1132510"/>
-                  <a:pt x="1084193" y="1114487"/>
-                </a:cubicBezTo>
-                <a:cubicBezTo>
-                  <a:pt x="1008599" y="1071234"/>
-                  <a:pt x="933005" y="1020771"/>
-                  <a:pt x="848689" y="1006353"/>
-                </a:cubicBezTo>
-                <a:cubicBezTo>
-                  <a:pt x="819615" y="1002748"/>
-                  <a:pt x="802169" y="984726"/>
-                  <a:pt x="805077" y="948681"/>
-                </a:cubicBezTo>
-                <a:cubicBezTo>
-                  <a:pt x="810892" y="901822"/>
-                  <a:pt x="839967" y="916240"/>
-                  <a:pt x="863226" y="919844"/>
-                </a:cubicBezTo>
-                <a:cubicBezTo>
-                  <a:pt x="877764" y="923450"/>
-                  <a:pt x="892301" y="934263"/>
-                  <a:pt x="906838" y="909031"/>
-                </a:cubicBezTo>
-                <a:cubicBezTo>
-                  <a:pt x="566666" y="653113"/>
-                  <a:pt x="386404" y="667532"/>
-                  <a:pt x="5527" y="458471"/>
-                </a:cubicBezTo>
-                <a:cubicBezTo>
-                  <a:pt x="89843" y="418822"/>
-                  <a:pt x="150900" y="447658"/>
-                  <a:pt x="209049" y="454867"/>
-                </a:cubicBezTo>
-                <a:cubicBezTo>
-                  <a:pt x="354422" y="472890"/>
-                  <a:pt x="264290" y="505329"/>
-                  <a:pt x="409664" y="526956"/>
-                </a:cubicBezTo>
-                <a:cubicBezTo>
-                  <a:pt x="479443" y="537770"/>
-                  <a:pt x="543407" y="573815"/>
-                  <a:pt x="621908" y="516143"/>
-                </a:cubicBezTo>
-                <a:cubicBezTo>
-                  <a:pt x="674242" y="476494"/>
-                  <a:pt x="758558" y="519747"/>
-                  <a:pt x="822522" y="552188"/>
-                </a:cubicBezTo>
-                <a:cubicBezTo>
-                  <a:pt x="874856" y="581024"/>
-                  <a:pt x="927190" y="588232"/>
-                  <a:pt x="996969" y="552188"/>
-                </a:cubicBezTo>
-                <a:cubicBezTo>
-                  <a:pt x="933005" y="530562"/>
-                  <a:pt x="883579" y="512539"/>
-                  <a:pt x="834151" y="498120"/>
-                </a:cubicBezTo>
-                <a:cubicBezTo>
-                  <a:pt x="793447" y="487307"/>
-                  <a:pt x="770187" y="462076"/>
-                  <a:pt x="773095" y="408008"/>
-                </a:cubicBezTo>
-                <a:cubicBezTo>
-                  <a:pt x="773095" y="379172"/>
-                  <a:pt x="764373" y="339523"/>
-                  <a:pt x="793447" y="325106"/>
-                </a:cubicBezTo>
-                <a:cubicBezTo>
-                  <a:pt x="816707" y="310688"/>
-                  <a:pt x="848689" y="325106"/>
-                  <a:pt x="860319" y="350336"/>
-                </a:cubicBezTo>
-                <a:cubicBezTo>
-                  <a:pt x="874856" y="397195"/>
-                  <a:pt x="889393" y="440449"/>
-                  <a:pt x="938820" y="444054"/>
-                </a:cubicBezTo>
-                <a:cubicBezTo>
-                  <a:pt x="1005692" y="451262"/>
-                  <a:pt x="967894" y="422426"/>
-                  <a:pt x="956265" y="386381"/>
-                </a:cubicBezTo>
-                <a:cubicBezTo>
-                  <a:pt x="944635" y="346733"/>
-                  <a:pt x="979525" y="335919"/>
-                  <a:pt x="1002784" y="343127"/>
-                </a:cubicBezTo>
-                <a:cubicBezTo>
-                  <a:pt x="1090008" y="375569"/>
-                  <a:pt x="1180139" y="317897"/>
-                  <a:pt x="1270270" y="364755"/>
-                </a:cubicBezTo>
-                <a:cubicBezTo>
-                  <a:pt x="1247011" y="249411"/>
-                  <a:pt x="1197583" y="198949"/>
-                  <a:pt x="1092915" y="180926"/>
-                </a:cubicBezTo>
-                <a:cubicBezTo>
-                  <a:pt x="1055118" y="177322"/>
-                  <a:pt x="1014414" y="184530"/>
-                  <a:pt x="979525" y="152090"/>
-                </a:cubicBezTo>
-                <a:cubicBezTo>
-                  <a:pt x="959172" y="134068"/>
-                  <a:pt x="938820" y="112441"/>
-                  <a:pt x="953358" y="76396"/>
-                </a:cubicBezTo>
-                <a:cubicBezTo>
-                  <a:pt x="962080" y="51165"/>
-                  <a:pt x="985339" y="51165"/>
-                  <a:pt x="1005692" y="58373"/>
-                </a:cubicBezTo>
-                <a:cubicBezTo>
-                  <a:pt x="1090008" y="98023"/>
-                  <a:pt x="1180139" y="108837"/>
-                  <a:pt x="1267362" y="123254"/>
-                </a:cubicBezTo>
-                <a:cubicBezTo>
-                  <a:pt x="1281900" y="126859"/>
-                  <a:pt x="1296437" y="134068"/>
-                  <a:pt x="1310975" y="98023"/>
-                </a:cubicBezTo>
-                <a:cubicBezTo>
-                  <a:pt x="1260095" y="81803"/>
-                  <a:pt x="1209941" y="62879"/>
-                  <a:pt x="1159787" y="43505"/>
-                </a:cubicBezTo>
-                <a:close/>
-              </a:path>
-            </a:pathLst>
-          </a:custGeom>
-          <a:solidFill>
-            <a:schemeClr val="bg2">
-              <a:alpha val="50000"/>
-            </a:schemeClr>
-          </a:solidFill>
-          <a:ln w="32707" cap="flat">
-            <a:noFill/>
-            <a:prstDash val="solid"/>
-            <a:miter/>
-          </a:ln>
-        </p:spPr>
-        <p:txBody>
-          <a:bodyPr wrap="square" rtlCol="0" anchor="ctr">
-            <a:noAutofit/>
-          </a:bodyPr>
-          <a:lstStyle/>
-          <a:p>
-            <a:pPr algn="ctr"/>
-            <a:endParaRPr lang="en-US"/>
-          </a:p>
-        </p:txBody>
-      </p:sp>
       <p:sp>
         <p:nvSpPr>
           <p:cNvPr id="2" name="Title 1">
             <a:extLst>
               <a:ext uri="{FF2B5EF4-FFF2-40B4-BE49-F238E27FC236}">
-                <a16:creationId xmlns:a16="http://schemas.microsoft.com/office/drawing/2014/main" id="{60A96E7B-81C8-E866-3C08-0096B2CDF6EF}"/>
+                <a16:creationId xmlns:a16="http://schemas.microsoft.com/office/drawing/2014/main" id="{F61321C0-F37F-8EC2-4E0A-06C087F8C3A4}"/>
               </a:ext>
             </a:extLst>
           </p:cNvPr>
@@ -8997,68 +9698,24 @@
         </p:nvSpPr>
         <p:spPr>
           <a:xfrm>
-            <a:off x="643468" y="643467"/>
-            <a:ext cx="4620584" cy="4567137"/>
+            <a:off x="556532" y="643467"/>
+            <a:ext cx="11210925" cy="744836"/>
           </a:xfrm>
         </p:spPr>
         <p:txBody>
-          <a:bodyPr vert="horz" lIns="91440" tIns="45720" rIns="91440" bIns="45720" rtlCol="0" anchor="b">
+          <a:bodyPr>
             <a:normAutofit/>
           </a:bodyPr>
           <a:lstStyle/>
           <a:p>
-            <a:r>
-              <a:rPr lang="en-US" sz="4400" kern="1200">
+            <a:pPr algn="ctr"/>
+            <a:r>
+              <a:rPr lang="it-IT" sz="3200" dirty="0">
                 <a:solidFill>
-                  <a:schemeClr val="tx1"/>
+                  <a:schemeClr val="bg1"/>
                 </a:solidFill>
-                <a:latin typeface="+mj-lt"/>
-                <a:ea typeface="+mj-ea"/>
-                <a:cs typeface="+mj-cs"/>
               </a:rPr>
-              <a:t>Let’s start simple</a:t>
-            </a:r>
-          </a:p>
-        </p:txBody>
-      </p:sp>
-      <p:sp>
-        <p:nvSpPr>
-          <p:cNvPr id="3" name="Text Placeholder 2">
-            <a:extLst>
-              <a:ext uri="{FF2B5EF4-FFF2-40B4-BE49-F238E27FC236}">
-                <a16:creationId xmlns:a16="http://schemas.microsoft.com/office/drawing/2014/main" id="{6A35E9BD-7BE3-ACCA-EC07-2FD9409F4BA4}"/>
-              </a:ext>
-            </a:extLst>
-          </p:cNvPr>
-          <p:cNvSpPr>
-            <a:spLocks noGrp="1"/>
-          </p:cNvSpPr>
-          <p:nvPr>
-            <p:ph type="body" idx="1"/>
-          </p:nvPr>
-        </p:nvSpPr>
-        <p:spPr>
-          <a:xfrm>
-            <a:off x="643467" y="5277684"/>
-            <a:ext cx="4620584" cy="775494"/>
-          </a:xfrm>
-        </p:spPr>
-        <p:txBody>
-          <a:bodyPr vert="horz" lIns="91440" tIns="45720" rIns="91440" bIns="45720" rtlCol="0">
-            <a:normAutofit/>
-          </a:bodyPr>
-          <a:lstStyle/>
-          <a:p>
-            <a:r>
-              <a:rPr lang="en-US" kern="1200">
-                <a:solidFill>
-                  <a:schemeClr val="tx1"/>
-                </a:solidFill>
-                <a:latin typeface="+mn-lt"/>
-                <a:ea typeface="+mn-ea"/>
-                <a:cs typeface="+mn-cs"/>
-              </a:rPr>
-              <a:t>With a monolith</a:t>
+              <a:t>What’s after</a:t>
             </a:r>
           </a:p>
         </p:txBody>
@@ -9068,7 +9725,7 @@
           <p:cNvPr id="5" name="Picture 4">
             <a:extLst>
               <a:ext uri="{FF2B5EF4-FFF2-40B4-BE49-F238E27FC236}">
-                <a16:creationId xmlns:a16="http://schemas.microsoft.com/office/drawing/2014/main" id="{433BAFFF-599D-CED2-DF71-57611C9770B4}"/>
+                <a16:creationId xmlns:a16="http://schemas.microsoft.com/office/drawing/2014/main" id="{1AFDFC8D-E4E8-5BC1-1E67-7F73C00F0E0F}"/>
               </a:ext>
             </a:extLst>
           </p:cNvPr>
@@ -9085,18 +9742,69 @@
         </p:blipFill>
         <p:spPr>
           <a:xfrm>
-            <a:off x="7301616" y="643467"/>
-            <a:ext cx="3551554" cy="5571066"/>
+            <a:off x="643467" y="2141147"/>
+            <a:ext cx="10905066" cy="3462358"/>
           </a:xfrm>
           <a:prstGeom prst="rect">
             <a:avLst/>
           </a:prstGeom>
         </p:spPr>
       </p:pic>
+      <mc:AlternateContent xmlns:mc="http://schemas.openxmlformats.org/markup-compatibility/2006">
+        <mc:Choice xmlns:p14="http://schemas.microsoft.com/office/powerpoint/2010/main" Requires="p14">
+          <p:contentPart p14:bwMode="auto" r:id="rId3">
+            <p14:nvContentPartPr>
+              <p14:cNvPr id="3" name="Ink 2">
+                <a:extLst>
+                  <a:ext uri="{FF2B5EF4-FFF2-40B4-BE49-F238E27FC236}">
+                    <a16:creationId xmlns:a16="http://schemas.microsoft.com/office/drawing/2014/main" id="{91080BE2-1451-1B31-F110-640D9094DF62}"/>
+                  </a:ext>
+                </a:extLst>
+              </p14:cNvPr>
+              <p14:cNvContentPartPr/>
+              <p14:nvPr/>
+            </p14:nvContentPartPr>
+            <p14:xfrm>
+              <a:off x="659137" y="3440485"/>
+              <a:ext cx="2784960" cy="659880"/>
+            </p14:xfrm>
+          </p:contentPart>
+        </mc:Choice>
+        <mc:Fallback>
+          <p:pic>
+            <p:nvPicPr>
+              <p:cNvPr id="3" name="Ink 2">
+                <a:extLst>
+                  <a:ext uri="{FF2B5EF4-FFF2-40B4-BE49-F238E27FC236}">
+                    <a16:creationId xmlns:a16="http://schemas.microsoft.com/office/drawing/2014/main" id="{91080BE2-1451-1B31-F110-640D9094DF62}"/>
+                  </a:ext>
+                </a:extLst>
+              </p:cNvPr>
+              <p:cNvPicPr/>
+              <p:nvPr/>
+            </p:nvPicPr>
+            <p:blipFill>
+              <a:blip r:embed="rId4"/>
+              <a:stretch>
+                <a:fillRect/>
+              </a:stretch>
+            </p:blipFill>
+            <p:spPr>
+              <a:xfrm>
+                <a:off x="605137" y="3332845"/>
+                <a:ext cx="2892600" cy="875520"/>
+              </a:xfrm>
+              <a:prstGeom prst="rect">
+                <a:avLst/>
+              </a:prstGeom>
+            </p:spPr>
+          </p:pic>
+        </mc:Fallback>
+      </mc:AlternateContent>
     </p:spTree>
     <p:extLst>
       <p:ext uri="{BB962C8B-B14F-4D97-AF65-F5344CB8AC3E}">
-        <p14:creationId xmlns:p14="http://schemas.microsoft.com/office/powerpoint/2010/main" val="2018758675"/>
+        <p14:creationId xmlns:p14="http://schemas.microsoft.com/office/powerpoint/2010/main" val="2142125043"/>
       </p:ext>
     </p:extLst>
   </p:cSld>
@@ -9128,7 +9836,7 @@
           <p:cNvPr id="2" name="Title 1">
             <a:extLst>
               <a:ext uri="{FF2B5EF4-FFF2-40B4-BE49-F238E27FC236}">
-                <a16:creationId xmlns:a16="http://schemas.microsoft.com/office/drawing/2014/main" id="{3583563F-C161-F834-D529-A3F9FE9D41B3}"/>
+                <a16:creationId xmlns:a16="http://schemas.microsoft.com/office/drawing/2014/main" id="{F61321C0-F37F-8EC2-4E0A-06C087F8C3A4}"/>
               </a:ext>
             </a:extLst>
           </p:cNvPr>
@@ -9139,52 +9847,115 @@
             <p:ph type="title"/>
           </p:nvPr>
         </p:nvSpPr>
-        <p:spPr/>
+        <p:spPr>
+          <a:xfrm>
+            <a:off x="556532" y="643467"/>
+            <a:ext cx="11210925" cy="744836"/>
+          </a:xfrm>
+        </p:spPr>
         <p:txBody>
-          <a:bodyPr/>
+          <a:bodyPr>
+            <a:normAutofit/>
+          </a:bodyPr>
           <a:lstStyle/>
           <a:p>
-            <a:r>
-              <a:rPr lang="it-IT" dirty="0"/>
-              <a:t>DEMO</a:t>
-            </a:r>
-            <a:endParaRPr lang="en-US" dirty="0"/>
+            <a:pPr algn="ctr"/>
+            <a:r>
+              <a:rPr lang="it-IT" sz="3200" dirty="0">
+                <a:solidFill>
+                  <a:schemeClr val="bg1"/>
+                </a:solidFill>
+              </a:rPr>
+              <a:t>What’s after</a:t>
+            </a:r>
           </a:p>
         </p:txBody>
       </p:sp>
-      <p:sp>
-        <p:nvSpPr>
-          <p:cNvPr id="3" name="Text Placeholder 2">
-            <a:extLst>
-              <a:ext uri="{FF2B5EF4-FFF2-40B4-BE49-F238E27FC236}">
-                <a16:creationId xmlns:a16="http://schemas.microsoft.com/office/drawing/2014/main" id="{917818B5-D61A-5F70-E2D4-FD8573F0190D}"/>
-              </a:ext>
-            </a:extLst>
-          </p:cNvPr>
-          <p:cNvSpPr>
-            <a:spLocks noGrp="1"/>
-          </p:cNvSpPr>
-          <p:nvPr>
-            <p:ph type="body" idx="1"/>
-          </p:nvPr>
-        </p:nvSpPr>
-        <p:spPr/>
-        <p:txBody>
-          <a:bodyPr/>
-          <a:lstStyle/>
-          <a:p>
-            <a:r>
-              <a:rPr lang="it-IT" dirty="0"/>
-              <a:t>Demo application | Kubernetes | Monolith process</a:t>
-            </a:r>
-            <a:endParaRPr lang="en-US" dirty="0"/>
-          </a:p>
-        </p:txBody>
-      </p:sp>
+      <p:pic>
+        <p:nvPicPr>
+          <p:cNvPr id="5" name="Picture 4">
+            <a:extLst>
+              <a:ext uri="{FF2B5EF4-FFF2-40B4-BE49-F238E27FC236}">
+                <a16:creationId xmlns:a16="http://schemas.microsoft.com/office/drawing/2014/main" id="{1AFDFC8D-E4E8-5BC1-1E67-7F73C00F0E0F}"/>
+              </a:ext>
+            </a:extLst>
+          </p:cNvPr>
+          <p:cNvPicPr>
+            <a:picLocks noChangeAspect="1"/>
+          </p:cNvPicPr>
+          <p:nvPr/>
+        </p:nvPicPr>
+        <p:blipFill>
+          <a:blip r:embed="rId2"/>
+          <a:stretch>
+            <a:fillRect/>
+          </a:stretch>
+        </p:blipFill>
+        <p:spPr>
+          <a:xfrm>
+            <a:off x="643467" y="2141147"/>
+            <a:ext cx="10905066" cy="3462358"/>
+          </a:xfrm>
+          <a:prstGeom prst="rect">
+            <a:avLst/>
+          </a:prstGeom>
+        </p:spPr>
+      </p:pic>
+      <mc:AlternateContent xmlns:mc="http://schemas.openxmlformats.org/markup-compatibility/2006">
+        <mc:Choice xmlns:p14="http://schemas.microsoft.com/office/powerpoint/2010/main" Requires="p14">
+          <p:contentPart p14:bwMode="auto" r:id="rId3">
+            <p14:nvContentPartPr>
+              <p14:cNvPr id="3" name="Ink 2">
+                <a:extLst>
+                  <a:ext uri="{FF2B5EF4-FFF2-40B4-BE49-F238E27FC236}">
+                    <a16:creationId xmlns:a16="http://schemas.microsoft.com/office/drawing/2014/main" id="{873F27E4-6731-FEA3-235D-7752DBE6F9E5}"/>
+                  </a:ext>
+                </a:extLst>
+              </p14:cNvPr>
+              <p14:cNvContentPartPr/>
+              <p14:nvPr/>
+            </p14:nvContentPartPr>
+            <p14:xfrm>
+              <a:off x="6760057" y="4246525"/>
+              <a:ext cx="2004120" cy="316440"/>
+            </p14:xfrm>
+          </p:contentPart>
+        </mc:Choice>
+        <mc:Fallback>
+          <p:pic>
+            <p:nvPicPr>
+              <p:cNvPr id="3" name="Ink 2">
+                <a:extLst>
+                  <a:ext uri="{FF2B5EF4-FFF2-40B4-BE49-F238E27FC236}">
+                    <a16:creationId xmlns:a16="http://schemas.microsoft.com/office/drawing/2014/main" id="{873F27E4-6731-FEA3-235D-7752DBE6F9E5}"/>
+                  </a:ext>
+                </a:extLst>
+              </p:cNvPr>
+              <p:cNvPicPr/>
+              <p:nvPr/>
+            </p:nvPicPr>
+            <p:blipFill>
+              <a:blip r:embed="rId4"/>
+              <a:stretch>
+                <a:fillRect/>
+              </a:stretch>
+            </p:blipFill>
+            <p:spPr>
+              <a:xfrm>
+                <a:off x="6706417" y="4138885"/>
+                <a:ext cx="2111760" cy="532080"/>
+              </a:xfrm>
+              <a:prstGeom prst="rect">
+                <a:avLst/>
+              </a:prstGeom>
+            </p:spPr>
+          </p:pic>
+        </mc:Fallback>
+      </mc:AlternateContent>
     </p:spTree>
     <p:extLst>
       <p:ext uri="{BB962C8B-B14F-4D97-AF65-F5344CB8AC3E}">
-        <p14:creationId xmlns:p14="http://schemas.microsoft.com/office/powerpoint/2010/main" val="3692882268"/>
+        <p14:creationId xmlns:p14="http://schemas.microsoft.com/office/powerpoint/2010/main" val="2814707729"/>
       </p:ext>
     </p:extLst>
   </p:cSld>

--- a/240917 - BASTA 2024 @Mainz/K8s Automation with Azure DevOps.pptx
+++ b/240917 - BASTA 2024 @Mainz/K8s Automation with Azure DevOps.pptx
@@ -15,8 +15,8 @@
     <p:sldId id="259" r:id="rId6"/>
     <p:sldId id="261" r:id="rId7"/>
     <p:sldId id="264" r:id="rId8"/>
-    <p:sldId id="277" r:id="rId9"/>
-    <p:sldId id="278" r:id="rId10"/>
+    <p:sldId id="279" r:id="rId9"/>
+    <p:sldId id="280" r:id="rId10"/>
     <p:sldId id="262" r:id="rId11"/>
     <p:sldId id="272" r:id="rId12"/>
     <p:sldId id="266" r:id="rId13"/>
@@ -232,7 +232,7 @@
           <inkml:channelProperty channel="Y" name="resolution" value="1000" units="1/cm"/>
         </inkml:channelProperties>
       </inkml:inkSource>
-      <inkml:timestamp xml:id="ts0" timeString="2024-09-17T20:57:47.753"/>
+      <inkml:timestamp xml:id="ts0" timeString="2024-09-18T06:36:44.611"/>
     </inkml:context>
     <inkml:brush xml:id="br0">
       <inkml:brushProperty name="width" value="0.3" units="cm"/>
@@ -243,7 +243,7 @@
       <inkml:brushProperty name="ignorePressure" value="1"/>
     </inkml:brush>
   </inkml:definitions>
-  <inkml:trace contextRef="#ctx0" brushRef="#br0">1311 58,'2'-3,"1"2,0-1,0 0,0 1,0-1,1 1,-1 0,0 0,1 0,-1 0,0 1,1 0,6-1,0 0,435-12,-313 14,792-15,-1 1,1206 14,-1987 3,234 37,-348-37,-18-4,1 1,-1 1,1 0,-1 1,15 5,-23-7,0-1,0 1,-1 0,1 1,0-1,-1 0,1 0,-1 1,1-1,-1 1,1-1,-1 1,0 0,0 0,0-1,0 1,0 0,-1 0,1 0,0 0,-1 0,1 0,-1 0,0 0,0 0,0 0,0 0,0 0,0 0,0 0,-1 0,1 0,-2 4,-1 2,-1 1,0 0,0-1,0 0,-1 0,-1 0,1-1,-1 0,-1 0,1 0,-1-1,0 1,-10 4,-4 5,-2-2,0-1,-35 15,-13-2,-1-4,-100 19,140-34,-258 47,-550 30,-303-73,937-12,-1586-3,1510 4,448 0,1127 1,275 109,-855-6,-205-25,170 16,39-22,-179-23,-473-40,-39-1,-28-4,-12 2,-24 2,0-1,0-2,-55 2,9-1,-241 29,-274 25,-493-22,-5-42,337-1,289 12,4 36,392-33,21-4,-1 2,-74 23,83-18,-1-3,0-1,-83 5,-145-10,202-6,-42 2,-148-4,221 0,-59-12,85 11,0 0,1-1,-1 0,1-1,0-1,-24-15,36 20,0 0,0-1,1 1,-1 0,0-1,1 1,0-1,-1 0,1 0,0 0,1 0,-1 0,1 0,-1-1,1 1,-1-5,1 5,1 0,0 0,0 0,0 0,1 0,-1 0,1 0,0 0,0 0,0 0,0 0,0 0,0 1,1-1,0 0,-1 1,1-1,0 1,0 0,3-3,12-9,1 0,0 1,1 1,0 1,26-10,-33 15,95-44,3 5,224-59,-172 68,261-24,50 54,-398 8,662 53,0 44,-92-11,-577-80,36 4,124 29,-225-40,-1-1,0 1,1 0,-1-1,0 1,0 0,1 0,-1 1,3 1,-9 2,-15-1,-151 3,125-6,-1766-1,845-3,-1087 3,2005 0,-166 6,157 4,47-4,14 1,8-2,-1 1,1-2,0 0,1 0,-1-1,22 2,16 5,511 88,20-25,-568-71,439 50,-215-25,1142 122,5-33,-1222-106,750 41,-2-42,-1068-10,-34 0,-75 1,131 1,-1355-32,1017-3,39 0</inkml:trace>
+  <inkml:trace contextRef="#ctx0" brushRef="#br0">895 23,'5497'0,"-5425"0,665-22,-709 22,-28 0,0 0,1 0,-1 0,0 0,0 0,0 0,0 0,1 0,-1 1,0-1,0 0,0 0,0 0,1 0,-1 0,0 0,0 0,0 1,0-1,0 0,0 0,1 0,-1 0,0 0,0 1,0-1,0 0,0 0,0 0,0 0,0 1,0-1,0 0,0 0,0 0,0 1,0-1,0 0,0 0,0 0,0 0,0 1,0-1,0 0,0 0,0 0,0 0,0 1,0-1,-1 0,1 0,0 0,0 0,0 0,0 1,-5 2,1 0,0-1,-1 1,1-1,-1 0,0 0,0 0,-6 1,-206 39,167-34,-1281 172,773-109,205-28,-201 28,10 30,315-38,205-54,0 1,0 1,1 1,0 1,1 1,-36 30,8 3,35-30,-1-2,-1 0,0-1,-1 0,-1-2,-25 14,21-17,0 0,0-2,-1-1,-38 5,-99 2,108-10,-816 4,2-75,485 12,-45-5,388 57,38 3,10 0,77 6,95 11,96 13,83 14,84 8,282 34,367 40,3-43,547-74,-1315-12,-313 4,-9-1,-1 0,1 1,-1 0,1 0,-1 1,1-1,-1 1,1 0,-1 1,0-1,1 1,5 3,-10-4,0 0,-1 0,1-1,-1 1,1 0,-1 0,1 0,-1 0,1 0,-1 0,0 0,0-1,1 1,-1 0,0 0,0 0,0 0,0 0,0 0,0 0,-1 0,1 0,0 0,0 0,-1 0,1 0,0 0,-1 0,1 0,-1-1,1 1,-1 0,0 0,1 0,-1-1,-1 2,-35 30,16-18,-1-1,-1-1,-33 13,-89 23,-97 13,-74-8,-705 26,-4-67,699-13,-399-10,592 3,-214-41,294 39,-6-3,56 13,0-1,0 0,0 0,0 0,0-1,1 1,-1-1,0 1,1-1,0 0,-1 0,1 0,0 0,-3-4,5 6,0-1,-1 1,1-1,0 1,0-1,0 0,0 1,-1-1,1 1,0-1,0 1,0-1,0 1,0-1,0 1,1-1,-1 0,0 1,0-1,0 1,0-1,1 1,-1-2,18-12,1 6,0 1,0 0,26-4,154-28,78-6,67-4,379-42,598-82,-13-50,-1286 219,0-1,31-12,-52 17,-1 0,1 0,0-1,-1 1,1 0,-1-1,1 1,0-1,-1 1,1 0,-1-1,1 1,-1-1,1 1,-1-1,0 0,1 1,-1-1,1 1,-1-1,0 0,0 1,1-1,-1-1,0 2,-1-1,1 0,-1 0,1 0,-1 1,1-1,-1 0,1 0,-1 1,1-1,-1 0,0 1,0-1,1 1,-1-1,0 1,0-1,0 1,-1-1,-17-6,0 0,-1 1,-25-3,-153-25,-99-4,-101-13,-77-9,-1641-235,1658 231,64 17,71 15,245 26,-211-16,195 20,-95 9,173-6,1 1,0 1,-26 9,37-12,1 2,-1-1,0 0,1 1,-1 0,1 0,0 0,-1 0,1 0,0 1,1 0,-1-1,0 1,1 0,-1 0,1 0,0 1,0-1,-2 4,4-6,0 1,0-1,0 0,0 1,0-1,0 0,0 0,0 1,0-1,1 0,-1 1,1-1,-1 0,1 0,-1 0,1 0,-1 1,1-1,0 0,0 0,0 0,0 0,-1 0,1-1,0 1,1 0,-1 0,0-1,0 1,2 0,47 19,35 0,112 14,-164-30,1043 114,-283-38,-405-36,335 45,-699-86,25 3,0 2,87 27,-130-33,0 0,0 1,-1 0,1 0,-1 0,6 5,-10-8,-1 1,1 0,0-1,0 1,-1 0,1 0,-1 0,1-1,-1 1,1 0,-1 0,1 0,-1 0,0 0,1 0,-1 0,0 0,0 0,0 0,0 0,0 0,0 0,0 0,0 0,0 0,-1 0,1 0,0 0,-1 0,1 0,0 0,-1 0,0 0,1 0,-1 0,1-1,-1 1,0 0,1 0,-1-1,0 1,-1 0,-6 6,0-1,0 0,-1-1,0 0,0-1,-16 7,-73 18,16-11,-111 11,-90-9,190-15,-1500 55,1503-59,-359 22,367-13</inkml:trace>
 </inkml:ink>
 </file>
 
@@ -261,7 +261,7 @@
           <inkml:channelProperty channel="Y" name="resolution" value="1000" units="1/cm"/>
         </inkml:channelProperties>
       </inkml:inkSource>
-      <inkml:timestamp xml:id="ts0" timeString="2024-09-17T20:57:57.316"/>
+      <inkml:timestamp xml:id="ts0" timeString="2024-09-18T06:37:05.797"/>
     </inkml:context>
     <inkml:brush xml:id="br0">
       <inkml:brushProperty name="width" value="0.3" units="cm"/>
@@ -272,7 +272,7 @@
       <inkml:brushProperty name="ignorePressure" value="1"/>
     </inkml:brush>
   </inkml:definitions>
-  <inkml:trace contextRef="#ctx0" brushRef="#br0">231 30,'9'-3,"0"0,0 0,0 1,1 0,-1 1,1 0,18 1,3-1,930-12,-658 14,3499 0,-3786-1,-5-1,0 1,0 0,1 1,-1 0,0 0,0 2,0-1,15 6,-26-7,1-1,0 0,0 0,0 1,-1-1,1 1,0-1,-1 0,1 1,0-1,-1 1,1 0,0-1,-1 1,1-1,-1 1,1 0,-1 0,0-1,1 1,-1 0,0 0,1-1,-1 1,0 0,0 0,0 0,0-1,1 1,-1 0,0 0,-1 0,1 0,0-1,0 1,0 0,0 0,-1 0,1-1,0 1,-1 0,1 0,0-1,-1 1,0 1,-3 2,0 1,-1-1,1 0,-1 0,-7 4,-19 11,-1-1,-1-1,0-2,-45 14,-153 36,166-49,-749 140,-14-71,-467-31,-3-55,509-2,1000 3,14 0,68 0,261-2,968 10,-959 16,560 98,-1116-121,34 5,1 1,-1 2,65 24,-103-33,0 1,-1 0,1 0,0 1,-1-1,0 0,1 1,-1-1,0 1,0 0,0 0,0 0,0 0,0 0,0 0,-1 1,1-1,1 4,-3-5,0 0,0 0,0 0,0 0,0-1,0 1,0 0,0 0,-1 0,1 0,0-1,-1 1,1 0,-1 0,1 0,0-1,-1 1,0 0,1-1,-1 1,0 0,-2 1,0 1,0-1,0 0,0-1,-1 1,1-1,-5 2,-22 6,-1-2,-1-1,-62 4,89-10,-362 17,170-13</inkml:trace>
+  <inkml:trace contextRef="#ctx0" brushRef="#br0">1327 827,'0'-3,"1"1,-1-1,1 0,-1 1,1-1,0 1,0-1,1 1,-1 0,0-1,1 1,-1 0,1 0,0 0,-1 0,1 0,0 0,0 1,5-4,6-3,0 0,21-8,-22 10,72-31,102-31,105-13,670-114,20 79,205 32,-40 3,-859 55,-199 18,156-20,-224 23,-19 3,-7 0,-41-2,1 1,-54 3,14 1,-184-1,-4158 5,4404-5,0 1,0 1,0 1,-24 6,39-6,-1 0,0 1,1 0,0 0,-1 1,2 0,-1 0,1 1,0 1,0-1,-13 15,-34 54,41-54,0-1,-2 0,-18 19,13-20,-2-1,0-1,-38 21,-84 35,66-35,76-36,0-1,-1 1,1-1,0 1,1 0,-1 0,0 0,-4 5,6-6,1-1,0 1,-1-1,1 1,0-1,-1 1,1-1,0 1,0 0,0-1,0 1,0-1,0 1,0 0,0-1,0 1,0-1,0 1,0 0,0-1,0 2,1-1,0 1,0-1,0 0,0 1,0-1,0 0,0 0,0 0,1 0,-1 0,0 0,2 1,9 4,0 0,0-1,1 0,-1-1,15 3,82 14,195 11,612 8,-401-21,655 29,-1041-41,-81 0,-49-7,1 0,0 0,0 0,0 0,0 0,0 0,0 0,0 0,0 0,0 0,0 0,-1 0,1 1,0-1,0 0,0 0,0 0,0 0,0 0,0 0,0 0,0 0,0 0,0 0,0 0,0 0,0 1,0-1,0 0,0 0,0 0,0 0,0 0,0 0,0 0,0 0,0 0,0 1,0-1,0 0,0 0,0 0,0 0,0 0,0 0,0 0,0 0,0 0,0 0,0 1,-28 2,-277 5,129-6,-475 19,-211 5,-1414-21,2225-5,48 0,5 0,29 0,279 1,-35 10,82 13,73 5,2321 48,-2597-79,203 4,-302 1,594 40,-610-36,-46-3,-23 0,-868 115,405-47,358-54,-535 67,1-34,-97-51,738-1,27 0,18 1,1426-2,-746 4,267-3,-962 1,295-15,-246 3,-51 12,0 0,0 0,1 0,-1 0,0 0,0 0,1 0,-1 0,0 0,0 0,1 0,-1 0,0 0,0 0,0-1,1 1,-1 0,0 0,0 0,0 0,0-1,1 1,-1 0,0 0,0 0,0-1,0 1,0 0,0 0,0-1,1 1,-1 0,0 0,0-1,0 1,0 0,0 0,0-1,0 1,0 0,0 0,0 0,-1-1,1 1,0 0,0 0,0-1,0 1,0 0,0 0,0 0,-1-1,1 1,0 0,0 0,0 0,0 0,-1-1,1 1,0 0,0 0,0 0,-1 0,1 0,0 0,0 0,-1-1,1 1,0 0,-21-10,0 2,0 0,-27-6,-12-5,-228-79,275 93,0 0,0-1,0-1,1 0,0 0,-17-15,24 17,0 1,1-1,0 0,0 0,0-1,0 1,1-1,0 0,0 1,1-2,-1 1,1 0,1 0,-1-1,1 1,-1-9,2 6,0 1,1 0,0 0,0-1,1 1,0 0,0 0,1 1,0-1,0 0,1 1,-1 0,2 0,-1 0,1 0,0 1,1 0,0 0,-1 0,2 1,-1-1,13-6,12-7,2 1,0 2,65-22,-56 22,277-91,-18 6,-289 97,21-8,-2-1,60-33,-89 45,0 0,-1 0,1 0,-1 0,1 0,-1 0,1 0,-1 0,0-1,1 1,-1 0,0-1,0 1,0-1,0 0,0 1,-1-1,1 0,0-2,-1 3,0 0,-1 0,1 0,-1 0,1 0,-1 1,1-1,-1 0,1 0,-1 0,0 1,1-1,-1 0,0 0,0 1,0-1,0 1,0-1,1 1,-1-1,0 1,0 0,0-1,-2 1,-10-4,-2 1,1 0,-26-1,-182-4,-393 34,-225 82,540-64,-1085 96,604-115,-202 10,866-28,-262 24,311-20</inkml:trace>
 </inkml:ink>
 </file>
 
@@ -358,7 +358,7 @@
           <a:p>
             <a:fld id="{7098FEDD-3689-48A2-8601-65F2F36B96E7}" type="datetimeFigureOut">
               <a:rPr lang="en-US" smtClean="0"/>
-              <a:t>9/17/2024</a:t>
+              <a:t>9/18/2024</a:t>
             </a:fld>
             <a:endParaRPr lang="en-US"/>
           </a:p>
@@ -774,7 +774,7 @@
           <a:p>
             <a:fld id="{1F2F3DAB-4AEA-412E-9639-1B2BB99A3979}" type="datetimeFigureOut">
               <a:rPr lang="it-IT" smtClean="0"/>
-              <a:t>17/09/2024</a:t>
+              <a:t>18/09/2024</a:t>
             </a:fld>
             <a:endParaRPr lang="it-IT"/>
           </a:p>
@@ -974,7 +974,7 @@
           <a:p>
             <a:fld id="{1F2F3DAB-4AEA-412E-9639-1B2BB99A3979}" type="datetimeFigureOut">
               <a:rPr lang="it-IT" smtClean="0"/>
-              <a:t>17/09/2024</a:t>
+              <a:t>18/09/2024</a:t>
             </a:fld>
             <a:endParaRPr lang="it-IT"/>
           </a:p>
@@ -1184,7 +1184,7 @@
           <a:p>
             <a:fld id="{1F2F3DAB-4AEA-412E-9639-1B2BB99A3979}" type="datetimeFigureOut">
               <a:rPr lang="it-IT" smtClean="0"/>
-              <a:t>17/09/2024</a:t>
+              <a:t>18/09/2024</a:t>
             </a:fld>
             <a:endParaRPr lang="it-IT"/>
           </a:p>
@@ -1384,7 +1384,7 @@
           <a:p>
             <a:fld id="{1F2F3DAB-4AEA-412E-9639-1B2BB99A3979}" type="datetimeFigureOut">
               <a:rPr lang="it-IT" smtClean="0"/>
-              <a:t>17/09/2024</a:t>
+              <a:t>18/09/2024</a:t>
             </a:fld>
             <a:endParaRPr lang="it-IT"/>
           </a:p>
@@ -1660,7 +1660,7 @@
           <a:p>
             <a:fld id="{1F2F3DAB-4AEA-412E-9639-1B2BB99A3979}" type="datetimeFigureOut">
               <a:rPr lang="it-IT" smtClean="0"/>
-              <a:t>17/09/2024</a:t>
+              <a:t>18/09/2024</a:t>
             </a:fld>
             <a:endParaRPr lang="it-IT"/>
           </a:p>
@@ -1928,7 +1928,7 @@
           <a:p>
             <a:fld id="{1F2F3DAB-4AEA-412E-9639-1B2BB99A3979}" type="datetimeFigureOut">
               <a:rPr lang="it-IT" smtClean="0"/>
-              <a:t>17/09/2024</a:t>
+              <a:t>18/09/2024</a:t>
             </a:fld>
             <a:endParaRPr lang="it-IT"/>
           </a:p>
@@ -2343,7 +2343,7 @@
           <a:p>
             <a:fld id="{1F2F3DAB-4AEA-412E-9639-1B2BB99A3979}" type="datetimeFigureOut">
               <a:rPr lang="it-IT" smtClean="0"/>
-              <a:t>17/09/2024</a:t>
+              <a:t>18/09/2024</a:t>
             </a:fld>
             <a:endParaRPr lang="it-IT"/>
           </a:p>
@@ -2485,7 +2485,7 @@
           <a:p>
             <a:fld id="{1F2F3DAB-4AEA-412E-9639-1B2BB99A3979}" type="datetimeFigureOut">
               <a:rPr lang="it-IT" smtClean="0"/>
-              <a:t>17/09/2024</a:t>
+              <a:t>18/09/2024</a:t>
             </a:fld>
             <a:endParaRPr lang="it-IT"/>
           </a:p>
@@ -2598,7 +2598,7 @@
           <a:p>
             <a:fld id="{1F2F3DAB-4AEA-412E-9639-1B2BB99A3979}" type="datetimeFigureOut">
               <a:rPr lang="it-IT" smtClean="0"/>
-              <a:t>17/09/2024</a:t>
+              <a:t>18/09/2024</a:t>
             </a:fld>
             <a:endParaRPr lang="it-IT"/>
           </a:p>
@@ -2911,7 +2911,7 @@
           <a:p>
             <a:fld id="{1F2F3DAB-4AEA-412E-9639-1B2BB99A3979}" type="datetimeFigureOut">
               <a:rPr lang="it-IT" smtClean="0"/>
-              <a:t>17/09/2024</a:t>
+              <a:t>18/09/2024</a:t>
             </a:fld>
             <a:endParaRPr lang="it-IT"/>
           </a:p>
@@ -3200,7 +3200,7 @@
           <a:p>
             <a:fld id="{1F2F3DAB-4AEA-412E-9639-1B2BB99A3979}" type="datetimeFigureOut">
               <a:rPr lang="it-IT" smtClean="0"/>
-              <a:t>17/09/2024</a:t>
+              <a:t>18/09/2024</a:t>
             </a:fld>
             <a:endParaRPr lang="it-IT"/>
           </a:p>
@@ -3490,7 +3490,7 @@
           <a:p>
             <a:fld id="{1F2F3DAB-4AEA-412E-9639-1B2BB99A3979}" type="datetimeFigureOut">
               <a:rPr lang="it-IT" smtClean="0"/>
-              <a:t>17/09/2024</a:t>
+              <a:t>18/09/2024</a:t>
             </a:fld>
             <a:endParaRPr lang="it-IT"/>
           </a:p>
@@ -9001,8 +9001,8 @@
           </p:txBody>
         </p:sp>
       </p:grpSp>
-      <mc:AlternateContent xmlns:mc="http://schemas.openxmlformats.org/markup-compatibility/2006">
-        <mc:Choice xmlns:p14="http://schemas.microsoft.com/office/powerpoint/2010/main" Requires="p14">
+      <mc:AlternateContent xmlns:mc="http://schemas.openxmlformats.org/markup-compatibility/2006" xmlns:p14="http://schemas.microsoft.com/office/powerpoint/2010/main">
+        <mc:Choice Requires="p14">
           <p:contentPart p14:bwMode="auto" r:id="rId3">
             <p14:nvContentPartPr>
               <p14:cNvPr id="4" name="Ink 3">
@@ -9021,7 +9021,7 @@
             </p14:xfrm>
           </p:contentPart>
         </mc:Choice>
-        <mc:Fallback>
+        <mc:Fallback xmlns="">
           <p:pic>
             <p:nvPicPr>
               <p:cNvPr id="4" name="Ink 3">
@@ -9377,8 +9377,8 @@
           </p:txBody>
         </p:sp>
       </p:grpSp>
-      <mc:AlternateContent xmlns:mc="http://schemas.openxmlformats.org/markup-compatibility/2006">
-        <mc:Choice xmlns:p14="http://schemas.microsoft.com/office/powerpoint/2010/main" Requires="p14">
+      <mc:AlternateContent xmlns:mc="http://schemas.openxmlformats.org/markup-compatibility/2006" xmlns:p14="http://schemas.microsoft.com/office/powerpoint/2010/main">
+        <mc:Choice Requires="p14">
           <p:contentPart p14:bwMode="auto" r:id="rId3">
             <p14:nvContentPartPr>
               <p14:cNvPr id="4" name="Ink 3">
@@ -9397,7 +9397,7 @@
             </p14:xfrm>
           </p:contentPart>
         </mc:Choice>
-        <mc:Fallback>
+        <mc:Fallback xmlns="">
           <p:pic>
             <p:nvPicPr>
               <p:cNvPr id="4" name="Ink 3">
@@ -9428,8 +9428,8 @@
           </p:pic>
         </mc:Fallback>
       </mc:AlternateContent>
-      <mc:AlternateContent xmlns:mc="http://schemas.openxmlformats.org/markup-compatibility/2006">
-        <mc:Choice xmlns:p14="http://schemas.microsoft.com/office/powerpoint/2010/main" Requires="p14">
+      <mc:AlternateContent xmlns:mc="http://schemas.openxmlformats.org/markup-compatibility/2006" xmlns:p14="http://schemas.microsoft.com/office/powerpoint/2010/main">
+        <mc:Choice Requires="p14">
           <p:contentPart p14:bwMode="auto" r:id="rId5">
             <p14:nvContentPartPr>
               <p14:cNvPr id="5" name="Ink 4">
@@ -9448,7 +9448,7 @@
             </p14:xfrm>
           </p:contentPart>
         </mc:Choice>
-        <mc:Fallback>
+        <mc:Fallback xmlns="">
           <p:pic>
             <p:nvPicPr>
               <p:cNvPr id="5" name="Ink 4">
@@ -9666,6 +9666,14 @@
 <file path=ppt/slides/slide8.xml><?xml version="1.0" encoding="utf-8"?>
 <p:sld xmlns:a="http://schemas.openxmlformats.org/drawingml/2006/main" xmlns:r="http://schemas.openxmlformats.org/officeDocument/2006/relationships" xmlns:p="http://schemas.openxmlformats.org/presentationml/2006/main">
   <p:cSld>
+    <p:bg>
+      <p:bgPr>
+        <a:solidFill>
+          <a:schemeClr val="bg1"/>
+        </a:solidFill>
+        <a:effectLst/>
+      </p:bgPr>
+    </p:bg>
     <p:spTree>
       <p:nvGrpSpPr>
         <p:cNvPr id="1" name=""/>
@@ -9680,6 +9688,69 @@
           <a:chExt cx="0" cy="0"/>
         </a:xfrm>
       </p:grpSpPr>
+      <p:sp>
+        <p:nvSpPr>
+          <p:cNvPr id="22" name="Rectangle 21">
+            <a:extLst>
+              <a:ext uri="{FF2B5EF4-FFF2-40B4-BE49-F238E27FC236}">
+                <a16:creationId xmlns:a16="http://schemas.microsoft.com/office/drawing/2014/main" id="{A4AC5506-6312-4701-8D3C-40187889A947}"/>
+              </a:ext>
+              <a:ext uri="{C183D7F6-B498-43B3-948B-1728B52AA6E4}">
+                <adec:decorative xmlns:adec="http://schemas.microsoft.com/office/drawing/2017/decorative" val="1"/>
+              </a:ext>
+            </a:extLst>
+          </p:cNvPr>
+          <p:cNvSpPr>
+            <a:spLocks noGrp="1" noRot="1" noChangeAspect="1" noMove="1" noResize="1" noEditPoints="1" noAdjustHandles="1" noChangeArrowheads="1" noChangeShapeType="1" noTextEdit="1"/>
+          </p:cNvSpPr>
+          <p:nvPr>
+            <p:extLst>
+              <p:ext uri="{386F3935-93C4-4BCD-93E2-E3B085C9AB24}">
+                <p16:designElem xmlns:p16="http://schemas.microsoft.com/office/powerpoint/2015/main" val="1"/>
+              </p:ext>
+            </p:extLst>
+          </p:nvPr>
+        </p:nvSpPr>
+        <p:spPr>
+          <a:xfrm>
+            <a:off x="0" y="651752"/>
+            <a:ext cx="12192000" cy="736551"/>
+          </a:xfrm>
+          <a:prstGeom prst="rect">
+            <a:avLst/>
+          </a:prstGeom>
+          <a:solidFill>
+            <a:schemeClr val="tx1"/>
+          </a:solidFill>
+          <a:ln>
+            <a:noFill/>
+          </a:ln>
+        </p:spPr>
+        <p:style>
+          <a:lnRef idx="2">
+            <a:schemeClr val="accent1">
+              <a:shade val="50000"/>
+            </a:schemeClr>
+          </a:lnRef>
+          <a:fillRef idx="1">
+            <a:schemeClr val="accent1"/>
+          </a:fillRef>
+          <a:effectRef idx="0">
+            <a:schemeClr val="accent1"/>
+          </a:effectRef>
+          <a:fontRef idx="minor">
+            <a:schemeClr val="lt1"/>
+          </a:fontRef>
+        </p:style>
+        <p:txBody>
+          <a:bodyPr rtlCol="0" anchor="ctr"/>
+          <a:lstStyle/>
+          <a:p>
+            <a:pPr algn="ctr"/>
+            <a:endParaRPr lang="en-US"/>
+          </a:p>
+        </p:txBody>
+      </p:sp>
       <p:sp>
         <p:nvSpPr>
           <p:cNvPr id="2" name="Title 1">
@@ -9757,7 +9828,7 @@
               <p14:cNvPr id="3" name="Ink 2">
                 <a:extLst>
                   <a:ext uri="{FF2B5EF4-FFF2-40B4-BE49-F238E27FC236}">
-                    <a16:creationId xmlns:a16="http://schemas.microsoft.com/office/drawing/2014/main" id="{91080BE2-1451-1B31-F110-640D9094DF62}"/>
+                    <a16:creationId xmlns:a16="http://schemas.microsoft.com/office/drawing/2014/main" id="{12F62FBD-F61E-E833-3121-3CF81CA7F027}"/>
                   </a:ext>
                 </a:extLst>
               </p14:cNvPr>
@@ -9765,8 +9836,8 @@
               <p14:nvPr/>
             </p14:nvContentPartPr>
             <p14:xfrm>
-              <a:off x="659137" y="3440485"/>
-              <a:ext cx="2784960" cy="659880"/>
+              <a:off x="749857" y="3394045"/>
+              <a:ext cx="2604240" cy="572760"/>
             </p14:xfrm>
           </p:contentPart>
         </mc:Choice>
@@ -9776,7 +9847,7 @@
               <p:cNvPr id="3" name="Ink 2">
                 <a:extLst>
                   <a:ext uri="{FF2B5EF4-FFF2-40B4-BE49-F238E27FC236}">
-                    <a16:creationId xmlns:a16="http://schemas.microsoft.com/office/drawing/2014/main" id="{91080BE2-1451-1B31-F110-640D9094DF62}"/>
+                    <a16:creationId xmlns:a16="http://schemas.microsoft.com/office/drawing/2014/main" id="{12F62FBD-F61E-E833-3121-3CF81CA7F027}"/>
                   </a:ext>
                 </a:extLst>
               </p:cNvPr>
@@ -9791,8 +9862,8 @@
             </p:blipFill>
             <p:spPr>
               <a:xfrm>
-                <a:off x="605137" y="3332845"/>
-                <a:ext cx="2892600" cy="875520"/>
+                <a:off x="695857" y="3286405"/>
+                <a:ext cx="2711880" cy="788400"/>
               </a:xfrm>
               <a:prstGeom prst="rect">
                 <a:avLst/>
@@ -9804,7 +9875,7 @@
     </p:spTree>
     <p:extLst>
       <p:ext uri="{BB962C8B-B14F-4D97-AF65-F5344CB8AC3E}">
-        <p14:creationId xmlns:p14="http://schemas.microsoft.com/office/powerpoint/2010/main" val="2142125043"/>
+        <p14:creationId xmlns:p14="http://schemas.microsoft.com/office/powerpoint/2010/main" val="3533822728"/>
       </p:ext>
     </p:extLst>
   </p:cSld>
@@ -9817,6 +9888,14 @@
 <file path=ppt/slides/slide9.xml><?xml version="1.0" encoding="utf-8"?>
 <p:sld xmlns:a="http://schemas.openxmlformats.org/drawingml/2006/main" xmlns:r="http://schemas.openxmlformats.org/officeDocument/2006/relationships" xmlns:p="http://schemas.openxmlformats.org/presentationml/2006/main">
   <p:cSld>
+    <p:bg>
+      <p:bgPr>
+        <a:solidFill>
+          <a:schemeClr val="bg1"/>
+        </a:solidFill>
+        <a:effectLst/>
+      </p:bgPr>
+    </p:bg>
     <p:spTree>
       <p:nvGrpSpPr>
         <p:cNvPr id="1" name=""/>
@@ -9831,6 +9910,69 @@
           <a:chExt cx="0" cy="0"/>
         </a:xfrm>
       </p:grpSpPr>
+      <p:sp>
+        <p:nvSpPr>
+          <p:cNvPr id="22" name="Rectangle 21">
+            <a:extLst>
+              <a:ext uri="{FF2B5EF4-FFF2-40B4-BE49-F238E27FC236}">
+                <a16:creationId xmlns:a16="http://schemas.microsoft.com/office/drawing/2014/main" id="{A4AC5506-6312-4701-8D3C-40187889A947}"/>
+              </a:ext>
+              <a:ext uri="{C183D7F6-B498-43B3-948B-1728B52AA6E4}">
+                <adec:decorative xmlns:adec="http://schemas.microsoft.com/office/drawing/2017/decorative" val="1"/>
+              </a:ext>
+            </a:extLst>
+          </p:cNvPr>
+          <p:cNvSpPr>
+            <a:spLocks noGrp="1" noRot="1" noChangeAspect="1" noMove="1" noResize="1" noEditPoints="1" noAdjustHandles="1" noChangeArrowheads="1" noChangeShapeType="1" noTextEdit="1"/>
+          </p:cNvSpPr>
+          <p:nvPr>
+            <p:extLst>
+              <p:ext uri="{386F3935-93C4-4BCD-93E2-E3B085C9AB24}">
+                <p16:designElem xmlns:p16="http://schemas.microsoft.com/office/powerpoint/2015/main" val="1"/>
+              </p:ext>
+            </p:extLst>
+          </p:nvPr>
+        </p:nvSpPr>
+        <p:spPr>
+          <a:xfrm>
+            <a:off x="0" y="651752"/>
+            <a:ext cx="12192000" cy="736551"/>
+          </a:xfrm>
+          <a:prstGeom prst="rect">
+            <a:avLst/>
+          </a:prstGeom>
+          <a:solidFill>
+            <a:schemeClr val="tx1"/>
+          </a:solidFill>
+          <a:ln>
+            <a:noFill/>
+          </a:ln>
+        </p:spPr>
+        <p:style>
+          <a:lnRef idx="2">
+            <a:schemeClr val="accent1">
+              <a:shade val="50000"/>
+            </a:schemeClr>
+          </a:lnRef>
+          <a:fillRef idx="1">
+            <a:schemeClr val="accent1"/>
+          </a:fillRef>
+          <a:effectRef idx="0">
+            <a:schemeClr val="accent1"/>
+          </a:effectRef>
+          <a:fontRef idx="minor">
+            <a:schemeClr val="lt1"/>
+          </a:fontRef>
+        </p:style>
+        <p:txBody>
+          <a:bodyPr rtlCol="0" anchor="ctr"/>
+          <a:lstStyle/>
+          <a:p>
+            <a:pPr algn="ctr"/>
+            <a:endParaRPr lang="en-US"/>
+          </a:p>
+        </p:txBody>
+      </p:sp>
       <p:sp>
         <p:nvSpPr>
           <p:cNvPr id="2" name="Title 1">
@@ -9908,7 +10050,7 @@
               <p14:cNvPr id="3" name="Ink 2">
                 <a:extLst>
                   <a:ext uri="{FF2B5EF4-FFF2-40B4-BE49-F238E27FC236}">
-                    <a16:creationId xmlns:a16="http://schemas.microsoft.com/office/drawing/2014/main" id="{873F27E4-6731-FEA3-235D-7752DBE6F9E5}"/>
+                    <a16:creationId xmlns:a16="http://schemas.microsoft.com/office/drawing/2014/main" id="{D972F957-04B1-1376-0B0C-E98F2C4ED66B}"/>
                   </a:ext>
                 </a:extLst>
               </p14:cNvPr>
@@ -9916,8 +10058,8 @@
               <p14:nvPr/>
             </p14:nvContentPartPr>
             <p14:xfrm>
-              <a:off x="6760057" y="4246525"/>
-              <a:ext cx="2004120" cy="316440"/>
+              <a:off x="6581857" y="4146445"/>
+              <a:ext cx="2485800" cy="485280"/>
             </p14:xfrm>
           </p:contentPart>
         </mc:Choice>
@@ -9927,7 +10069,7 @@
               <p:cNvPr id="3" name="Ink 2">
                 <a:extLst>
                   <a:ext uri="{FF2B5EF4-FFF2-40B4-BE49-F238E27FC236}">
-                    <a16:creationId xmlns:a16="http://schemas.microsoft.com/office/drawing/2014/main" id="{873F27E4-6731-FEA3-235D-7752DBE6F9E5}"/>
+                    <a16:creationId xmlns:a16="http://schemas.microsoft.com/office/drawing/2014/main" id="{D972F957-04B1-1376-0B0C-E98F2C4ED66B}"/>
                   </a:ext>
                 </a:extLst>
               </p:cNvPr>
@@ -9942,8 +10084,8 @@
             </p:blipFill>
             <p:spPr>
               <a:xfrm>
-                <a:off x="6706417" y="4138885"/>
-                <a:ext cx="2111760" cy="532080"/>
+                <a:off x="6527857" y="4038805"/>
+                <a:ext cx="2593440" cy="700920"/>
               </a:xfrm>
               <a:prstGeom prst="rect">
                 <a:avLst/>
@@ -9955,7 +10097,7 @@
     </p:spTree>
     <p:extLst>
       <p:ext uri="{BB962C8B-B14F-4D97-AF65-F5344CB8AC3E}">
-        <p14:creationId xmlns:p14="http://schemas.microsoft.com/office/powerpoint/2010/main" val="2814707729"/>
+        <p14:creationId xmlns:p14="http://schemas.microsoft.com/office/powerpoint/2010/main" val="1109323506"/>
       </p:ext>
     </p:extLst>
   </p:cSld>
